--- a/A10/Applications of Context for Artificial Intelligence.pptx
+++ b/A10/Applications of Context for Artificial Intelligence.pptx
@@ -19,23 +19,25 @@
     <p:sldId id="264" r:id="rId13"/>
     <p:sldId id="265" r:id="rId14"/>
     <p:sldId id="266" r:id="rId15"/>
+    <p:sldId id="267" r:id="rId16"/>
+    <p:sldId id="268" r:id="rId17"/>
   </p:sldIdLst>
   <p:sldSz cy="5143500" cx="9144000"/>
   <p:notesSz cx="6858000" cy="9144000"/>
   <p:embeddedFontLst>
     <p:embeddedFont>
       <p:font typeface="Raleway"/>
-      <p:regular r:id="rId16"/>
-      <p:bold r:id="rId17"/>
-      <p:italic r:id="rId18"/>
-      <p:boldItalic r:id="rId19"/>
+      <p:regular r:id="rId18"/>
+      <p:bold r:id="rId19"/>
+      <p:italic r:id="rId20"/>
+      <p:boldItalic r:id="rId21"/>
     </p:embeddedFont>
     <p:embeddedFont>
       <p:font typeface="Lato"/>
-      <p:regular r:id="rId20"/>
-      <p:bold r:id="rId21"/>
-      <p:italic r:id="rId22"/>
-      <p:boldItalic r:id="rId23"/>
+      <p:regular r:id="rId22"/>
+      <p:bold r:id="rId23"/>
+      <p:italic r:id="rId24"/>
+      <p:boldItalic r:id="rId25"/>
     </p:embeddedFont>
   </p:embeddedFontLst>
   <p:defaultTextStyle>
@@ -332,7 +334,7 @@
               <a:spcBef>
                 <a:spcPts val="0"/>
               </a:spcBef>
-              <a:buSzPct val="100000"/>
+              <a:buSzPts val="1100"/>
               <a:buChar char="●"/>
               <a:defRPr sz="1100"/>
             </a:lvl1pPr>
@@ -340,7 +342,7 @@
               <a:spcBef>
                 <a:spcPts val="0"/>
               </a:spcBef>
-              <a:buSzPct val="100000"/>
+              <a:buSzPts val="1100"/>
               <a:buChar char="○"/>
               <a:defRPr sz="1100"/>
             </a:lvl2pPr>
@@ -348,7 +350,7 @@
               <a:spcBef>
                 <a:spcPts val="0"/>
               </a:spcBef>
-              <a:buSzPct val="100000"/>
+              <a:buSzPts val="1100"/>
               <a:buChar char="■"/>
               <a:defRPr sz="1100"/>
             </a:lvl3pPr>
@@ -356,7 +358,7 @@
               <a:spcBef>
                 <a:spcPts val="0"/>
               </a:spcBef>
-              <a:buSzPct val="100000"/>
+              <a:buSzPts val="1100"/>
               <a:buChar char="●"/>
               <a:defRPr sz="1100"/>
             </a:lvl4pPr>
@@ -364,7 +366,7 @@
               <a:spcBef>
                 <a:spcPts val="0"/>
               </a:spcBef>
-              <a:buSzPct val="100000"/>
+              <a:buSzPts val="1100"/>
               <a:buChar char="○"/>
               <a:defRPr sz="1100"/>
             </a:lvl5pPr>
@@ -372,7 +374,7 @@
               <a:spcBef>
                 <a:spcPts val="0"/>
               </a:spcBef>
-              <a:buSzPct val="100000"/>
+              <a:buSzPts val="1100"/>
               <a:buChar char="■"/>
               <a:defRPr sz="1100"/>
             </a:lvl6pPr>
@@ -380,7 +382,7 @@
               <a:spcBef>
                 <a:spcPts val="0"/>
               </a:spcBef>
-              <a:buSzPct val="100000"/>
+              <a:buSzPts val="1100"/>
               <a:buChar char="●"/>
               <a:defRPr sz="1100"/>
             </a:lvl7pPr>
@@ -388,7 +390,7 @@
               <a:spcBef>
                 <a:spcPts val="0"/>
               </a:spcBef>
-              <a:buSzPct val="100000"/>
+              <a:buSzPts val="1100"/>
               <a:buChar char="○"/>
               <a:defRPr sz="1100"/>
             </a:lvl8pPr>
@@ -396,7 +398,7 @@
               <a:spcBef>
                 <a:spcPts val="0"/>
               </a:spcBef>
-              <a:buSzPct val="100000"/>
+              <a:buSzPts val="1100"/>
               <a:buChar char="■"/>
               <a:defRPr sz="1100"/>
             </a:lvl9pPr>
@@ -484,7 +486,7 @@
           </a:bodyPr>
           <a:lstStyle/>
           <a:p>
-            <a:pPr lvl="0">
+            <a:pPr indent="0" lvl="0" marL="0">
               <a:spcBef>
                 <a:spcPts val="0"/>
               </a:spcBef>
@@ -579,7 +581,7 @@
           </a:bodyPr>
           <a:lstStyle/>
           <a:p>
-            <a:pPr lvl="0">
+            <a:pPr indent="0" lvl="0" marL="0">
               <a:spcBef>
                 <a:spcPts val="0"/>
               </a:spcBef>
@@ -674,7 +676,197 @@
           </a:bodyPr>
           <a:lstStyle/>
           <a:p>
-            <a:pPr lvl="0">
+            <a:pPr indent="0" lvl="0" marL="0">
+              <a:spcBef>
+                <a:spcPts val="0"/>
+              </a:spcBef>
+              <a:buNone/>
+            </a:pPr>
+            <a:r>
+              <a:t/>
+            </a:r>
+            <a:endParaRPr/>
+          </a:p>
+        </p:txBody>
+      </p:sp>
+    </p:spTree>
+  </p:cSld>
+  <p:clrMapOvr>
+    <a:masterClrMapping/>
+  </p:clrMapOvr>
+</p:notes>
+</file>
+
+<file path=ppt/notesSlides/notesSlide12.xml><?xml version="1.0" encoding="utf-8"?>
+<p:notes xmlns:a="http://schemas.openxmlformats.org/drawingml/2006/main" xmlns:r="http://schemas.openxmlformats.org/officeDocument/2006/relationships" xmlns:mc="http://schemas.openxmlformats.org/markup-compatibility/2006" xmlns:mv="urn:schemas-microsoft-com:mac:vml" xmlns:p="http://schemas.openxmlformats.org/presentationml/2006/main" xmlns:c="http://schemas.openxmlformats.org/drawingml/2006/chart" xmlns:dgm="http://schemas.openxmlformats.org/drawingml/2006/diagram" xmlns:o="urn:schemas-microsoft-com:office:office" xmlns:v="urn:schemas-microsoft-com:vml" xmlns:pvml="urn:schemas-microsoft-com:office:powerpoint" xmlns:com="http://schemas.openxmlformats.org/drawingml/2006/compatibility" xmlns:p14="http://schemas.microsoft.com/office/powerpoint/2010/main" xmlns:p15="http://schemas.microsoft.com/office/powerpoint/2012/main" showMasterPhAnim="0" showMasterSp="0">
+  <p:cSld>
+    <p:spTree>
+      <p:nvGrpSpPr>
+        <p:cNvPr id="149" name="Shape 149"/>
+        <p:cNvGrpSpPr/>
+        <p:nvPr/>
+      </p:nvGrpSpPr>
+      <p:grpSpPr>
+        <a:xfrm>
+          <a:off x="0" y="0"/>
+          <a:ext cx="0" cy="0"/>
+          <a:chOff x="0" y="0"/>
+          <a:chExt cx="0" cy="0"/>
+        </a:xfrm>
+      </p:grpSpPr>
+      <p:sp>
+        <p:nvSpPr>
+          <p:cNvPr id="150" name="Shape 150"/>
+          <p:cNvSpPr/>
+          <p:nvPr>
+            <p:ph idx="2" type="sldImg"/>
+          </p:nvPr>
+        </p:nvSpPr>
+        <p:spPr>
+          <a:xfrm>
+            <a:off x="381300" y="685800"/>
+            <a:ext cx="6096000" cy="3429000"/>
+          </a:xfrm>
+          <a:custGeom>
+            <a:pathLst>
+              <a:path extrusionOk="0" h="120000" w="120000">
+                <a:moveTo>
+                  <a:pt x="0" y="0"/>
+                </a:moveTo>
+                <a:lnTo>
+                  <a:pt x="120000" y="0"/>
+                </a:lnTo>
+                <a:lnTo>
+                  <a:pt x="120000" y="120000"/>
+                </a:lnTo>
+                <a:lnTo>
+                  <a:pt x="0" y="120000"/>
+                </a:lnTo>
+                <a:close/>
+              </a:path>
+            </a:pathLst>
+          </a:custGeom>
+        </p:spPr>
+      </p:sp>
+      <p:sp>
+        <p:nvSpPr>
+          <p:cNvPr id="151" name="Shape 151"/>
+          <p:cNvSpPr txBox="1"/>
+          <p:nvPr>
+            <p:ph idx="1" type="body"/>
+          </p:nvPr>
+        </p:nvSpPr>
+        <p:spPr>
+          <a:xfrm>
+            <a:off x="685800" y="4343400"/>
+            <a:ext cx="5486400" cy="4114800"/>
+          </a:xfrm>
+          <a:prstGeom prst="rect">
+            <a:avLst/>
+          </a:prstGeom>
+        </p:spPr>
+        <p:txBody>
+          <a:bodyPr anchorCtr="0" anchor="t" bIns="91425" lIns="91425" rIns="91425" wrap="square" tIns="91425">
+            <a:noAutofit/>
+          </a:bodyPr>
+          <a:lstStyle/>
+          <a:p>
+            <a:pPr indent="0" lvl="0" marL="0">
+              <a:spcBef>
+                <a:spcPts val="0"/>
+              </a:spcBef>
+              <a:buNone/>
+            </a:pPr>
+            <a:r>
+              <a:t/>
+            </a:r>
+            <a:endParaRPr/>
+          </a:p>
+        </p:txBody>
+      </p:sp>
+    </p:spTree>
+  </p:cSld>
+  <p:clrMapOvr>
+    <a:masterClrMapping/>
+  </p:clrMapOvr>
+</p:notes>
+</file>
+
+<file path=ppt/notesSlides/notesSlide13.xml><?xml version="1.0" encoding="utf-8"?>
+<p:notes xmlns:a="http://schemas.openxmlformats.org/drawingml/2006/main" xmlns:r="http://schemas.openxmlformats.org/officeDocument/2006/relationships" xmlns:mc="http://schemas.openxmlformats.org/markup-compatibility/2006" xmlns:mv="urn:schemas-microsoft-com:mac:vml" xmlns:p="http://schemas.openxmlformats.org/presentationml/2006/main" xmlns:c="http://schemas.openxmlformats.org/drawingml/2006/chart" xmlns:dgm="http://schemas.openxmlformats.org/drawingml/2006/diagram" xmlns:o="urn:schemas-microsoft-com:office:office" xmlns:v="urn:schemas-microsoft-com:vml" xmlns:pvml="urn:schemas-microsoft-com:office:powerpoint" xmlns:com="http://schemas.openxmlformats.org/drawingml/2006/compatibility" xmlns:p14="http://schemas.microsoft.com/office/powerpoint/2010/main" xmlns:p15="http://schemas.microsoft.com/office/powerpoint/2012/main" showMasterPhAnim="0" showMasterSp="0">
+  <p:cSld>
+    <p:spTree>
+      <p:nvGrpSpPr>
+        <p:cNvPr id="155" name="Shape 155"/>
+        <p:cNvGrpSpPr/>
+        <p:nvPr/>
+      </p:nvGrpSpPr>
+      <p:grpSpPr>
+        <a:xfrm>
+          <a:off x="0" y="0"/>
+          <a:ext cx="0" cy="0"/>
+          <a:chOff x="0" y="0"/>
+          <a:chExt cx="0" cy="0"/>
+        </a:xfrm>
+      </p:grpSpPr>
+      <p:sp>
+        <p:nvSpPr>
+          <p:cNvPr id="156" name="Shape 156"/>
+          <p:cNvSpPr/>
+          <p:nvPr>
+            <p:ph idx="2" type="sldImg"/>
+          </p:nvPr>
+        </p:nvSpPr>
+        <p:spPr>
+          <a:xfrm>
+            <a:off x="381300" y="685800"/>
+            <a:ext cx="6096000" cy="3429000"/>
+          </a:xfrm>
+          <a:custGeom>
+            <a:pathLst>
+              <a:path extrusionOk="0" h="120000" w="120000">
+                <a:moveTo>
+                  <a:pt x="0" y="0"/>
+                </a:moveTo>
+                <a:lnTo>
+                  <a:pt x="120000" y="0"/>
+                </a:lnTo>
+                <a:lnTo>
+                  <a:pt x="120000" y="120000"/>
+                </a:lnTo>
+                <a:lnTo>
+                  <a:pt x="0" y="120000"/>
+                </a:lnTo>
+                <a:close/>
+              </a:path>
+            </a:pathLst>
+          </a:custGeom>
+        </p:spPr>
+      </p:sp>
+      <p:sp>
+        <p:nvSpPr>
+          <p:cNvPr id="157" name="Shape 157"/>
+          <p:cNvSpPr txBox="1"/>
+          <p:nvPr>
+            <p:ph idx="1" type="body"/>
+          </p:nvPr>
+        </p:nvSpPr>
+        <p:spPr>
+          <a:xfrm>
+            <a:off x="685800" y="4343400"/>
+            <a:ext cx="5486400" cy="4114800"/>
+          </a:xfrm>
+          <a:prstGeom prst="rect">
+            <a:avLst/>
+          </a:prstGeom>
+        </p:spPr>
+        <p:txBody>
+          <a:bodyPr anchorCtr="0" anchor="t" bIns="91425" lIns="91425" rIns="91425" wrap="square" tIns="91425">
+            <a:noAutofit/>
+          </a:bodyPr>
+          <a:lstStyle/>
+          <a:p>
+            <a:pPr indent="0" lvl="0" marL="0">
               <a:spcBef>
                 <a:spcPts val="0"/>
               </a:spcBef>
@@ -769,7 +961,7 @@
           </a:bodyPr>
           <a:lstStyle/>
           <a:p>
-            <a:pPr lvl="0">
+            <a:pPr indent="0" lvl="0" marL="0">
               <a:spcBef>
                 <a:spcPts val="0"/>
               </a:spcBef>
@@ -864,7 +1056,7 @@
           </a:bodyPr>
           <a:lstStyle/>
           <a:p>
-            <a:pPr lvl="0">
+            <a:pPr indent="0" lvl="0" marL="0">
               <a:spcBef>
                 <a:spcPts val="0"/>
               </a:spcBef>
@@ -959,7 +1151,7 @@
           </a:bodyPr>
           <a:lstStyle/>
           <a:p>
-            <a:pPr lvl="0">
+            <a:pPr indent="0" lvl="0" marL="0">
               <a:spcBef>
                 <a:spcPts val="0"/>
               </a:spcBef>
@@ -1054,7 +1246,7 @@
           </a:bodyPr>
           <a:lstStyle/>
           <a:p>
-            <a:pPr lvl="0">
+            <a:pPr indent="0" lvl="0" marL="0">
               <a:spcBef>
                 <a:spcPts val="0"/>
               </a:spcBef>
@@ -1080,7 +1272,7 @@
   <p:cSld>
     <p:spTree>
       <p:nvGrpSpPr>
-        <p:cNvPr id="113" name="Shape 113"/>
+        <p:cNvPr id="112" name="Shape 112"/>
         <p:cNvGrpSpPr/>
         <p:nvPr/>
       </p:nvGrpSpPr>
@@ -1094,7 +1286,7 @@
       </p:grpSpPr>
       <p:sp>
         <p:nvSpPr>
-          <p:cNvPr id="114" name="Shape 114"/>
+          <p:cNvPr id="113" name="Shape 113"/>
           <p:cNvSpPr/>
           <p:nvPr>
             <p:ph idx="2" type="sldImg"/>
@@ -1128,7 +1320,7 @@
       </p:sp>
       <p:sp>
         <p:nvSpPr>
-          <p:cNvPr id="115" name="Shape 115"/>
+          <p:cNvPr id="114" name="Shape 114"/>
           <p:cNvSpPr txBox="1"/>
           <p:nvPr>
             <p:ph idx="1" type="body"/>
@@ -1149,7 +1341,7 @@
           </a:bodyPr>
           <a:lstStyle/>
           <a:p>
-            <a:pPr lvl="0">
+            <a:pPr indent="0" lvl="0" marL="0">
               <a:spcBef>
                 <a:spcPts val="0"/>
               </a:spcBef>
@@ -1175,7 +1367,7 @@
   <p:cSld>
     <p:spTree>
       <p:nvGrpSpPr>
-        <p:cNvPr id="119" name="Shape 119"/>
+        <p:cNvPr id="118" name="Shape 118"/>
         <p:cNvGrpSpPr/>
         <p:nvPr/>
       </p:nvGrpSpPr>
@@ -1189,7 +1381,7 @@
       </p:grpSpPr>
       <p:sp>
         <p:nvSpPr>
-          <p:cNvPr id="120" name="Shape 120"/>
+          <p:cNvPr id="119" name="Shape 119"/>
           <p:cNvSpPr/>
           <p:nvPr>
             <p:ph idx="2" type="sldImg"/>
@@ -1223,7 +1415,7 @@
       </p:sp>
       <p:sp>
         <p:nvSpPr>
-          <p:cNvPr id="121" name="Shape 121"/>
+          <p:cNvPr id="120" name="Shape 120"/>
           <p:cNvSpPr txBox="1"/>
           <p:nvPr>
             <p:ph idx="1" type="body"/>
@@ -1244,7 +1436,7 @@
           </a:bodyPr>
           <a:lstStyle/>
           <a:p>
-            <a:pPr lvl="0">
+            <a:pPr indent="0" lvl="0" marL="0">
               <a:spcBef>
                 <a:spcPts val="0"/>
               </a:spcBef>
@@ -1339,7 +1531,7 @@
           </a:bodyPr>
           <a:lstStyle/>
           <a:p>
-            <a:pPr lvl="0">
+            <a:pPr indent="0" lvl="0" marL="0">
               <a:spcBef>
                 <a:spcPts val="0"/>
               </a:spcBef>
@@ -1434,7 +1626,7 @@
           </a:bodyPr>
           <a:lstStyle/>
           <a:p>
-            <a:pPr lvl="0">
+            <a:pPr indent="0" lvl="0" marL="0">
               <a:spcBef>
                 <a:spcPts val="0"/>
               </a:spcBef>
@@ -1506,7 +1698,7 @@
           </a:bodyPr>
           <a:lstStyle/>
           <a:p>
-            <a:pPr lvl="0">
+            <a:pPr indent="0" lvl="0" marL="0">
               <a:spcBef>
                 <a:spcPts val="0"/>
               </a:spcBef>
@@ -1560,7 +1752,7 @@
             </a:bodyPr>
             <a:lstStyle/>
             <a:p>
-              <a:pPr lvl="0">
+              <a:pPr indent="0" lvl="0" marL="0">
                 <a:spcBef>
                   <a:spcPts val="0"/>
                 </a:spcBef>
@@ -1600,7 +1792,7 @@
             </a:bodyPr>
             <a:lstStyle/>
             <a:p>
-              <a:pPr lvl="0">
+              <a:pPr indent="0" lvl="0" marL="0">
                 <a:spcBef>
                   <a:spcPts val="0"/>
                 </a:spcBef>
@@ -1641,7 +1833,8 @@
               <a:buClr>
                 <a:schemeClr val="dk2"/>
               </a:buClr>
-              <a:buSzPct val="100000"/>
+              <a:buSzPts val="4200"/>
+              <a:buNone/>
               <a:defRPr sz="4200">
                 <a:solidFill>
                   <a:schemeClr val="dk2"/>
@@ -1655,7 +1848,8 @@
               <a:buClr>
                 <a:schemeClr val="dk2"/>
               </a:buClr>
-              <a:buSzPct val="100000"/>
+              <a:buSzPts val="4200"/>
+              <a:buNone/>
               <a:defRPr sz="4200">
                 <a:solidFill>
                   <a:schemeClr val="dk2"/>
@@ -1669,7 +1863,8 @@
               <a:buClr>
                 <a:schemeClr val="dk2"/>
               </a:buClr>
-              <a:buSzPct val="100000"/>
+              <a:buSzPts val="4200"/>
+              <a:buNone/>
               <a:defRPr sz="4200">
                 <a:solidFill>
                   <a:schemeClr val="dk2"/>
@@ -1683,7 +1878,8 @@
               <a:buClr>
                 <a:schemeClr val="dk2"/>
               </a:buClr>
-              <a:buSzPct val="100000"/>
+              <a:buSzPts val="4200"/>
+              <a:buNone/>
               <a:defRPr sz="4200">
                 <a:solidFill>
                   <a:schemeClr val="dk2"/>
@@ -1697,7 +1893,8 @@
               <a:buClr>
                 <a:schemeClr val="dk2"/>
               </a:buClr>
-              <a:buSzPct val="100000"/>
+              <a:buSzPts val="4200"/>
+              <a:buNone/>
               <a:defRPr sz="4200">
                 <a:solidFill>
                   <a:schemeClr val="dk2"/>
@@ -1711,7 +1908,8 @@
               <a:buClr>
                 <a:schemeClr val="dk2"/>
               </a:buClr>
-              <a:buSzPct val="100000"/>
+              <a:buSzPts val="4200"/>
+              <a:buNone/>
               <a:defRPr sz="4200">
                 <a:solidFill>
                   <a:schemeClr val="dk2"/>
@@ -1725,7 +1923,8 @@
               <a:buClr>
                 <a:schemeClr val="dk2"/>
               </a:buClr>
-              <a:buSzPct val="100000"/>
+              <a:buSzPts val="4200"/>
+              <a:buNone/>
               <a:defRPr sz="4200">
                 <a:solidFill>
                   <a:schemeClr val="dk2"/>
@@ -1739,7 +1938,8 @@
               <a:buClr>
                 <a:schemeClr val="dk2"/>
               </a:buClr>
-              <a:buSzPct val="100000"/>
+              <a:buSzPts val="4200"/>
+              <a:buNone/>
               <a:defRPr sz="4200">
                 <a:solidFill>
                   <a:schemeClr val="dk2"/>
@@ -1753,7 +1953,8 @@
               <a:buClr>
                 <a:schemeClr val="dk2"/>
               </a:buClr>
-              <a:buSzPct val="100000"/>
+              <a:buSzPts val="4200"/>
+              <a:buNone/>
               <a:defRPr sz="4200">
                 <a:solidFill>
                   <a:schemeClr val="dk2"/>
@@ -1794,7 +1995,7 @@
               <a:spcAft>
                 <a:spcPts val="0"/>
               </a:spcAft>
-              <a:buSzPct val="100000"/>
+              <a:buSzPts val="1600"/>
               <a:buNone/>
               <a:defRPr sz="1600"/>
             </a:lvl1pPr>
@@ -1808,7 +2009,7 @@
               <a:spcAft>
                 <a:spcPts val="0"/>
               </a:spcAft>
-              <a:buSzPct val="100000"/>
+              <a:buSzPts val="1600"/>
               <a:buNone/>
               <a:defRPr sz="1600"/>
             </a:lvl2pPr>
@@ -1822,7 +2023,7 @@
               <a:spcAft>
                 <a:spcPts val="0"/>
               </a:spcAft>
-              <a:buSzPct val="100000"/>
+              <a:buSzPts val="1600"/>
               <a:buNone/>
               <a:defRPr sz="1600"/>
             </a:lvl3pPr>
@@ -1836,7 +2037,7 @@
               <a:spcAft>
                 <a:spcPts val="0"/>
               </a:spcAft>
-              <a:buSzPct val="100000"/>
+              <a:buSzPts val="1600"/>
               <a:buNone/>
               <a:defRPr sz="1600"/>
             </a:lvl4pPr>
@@ -1850,7 +2051,7 @@
               <a:spcAft>
                 <a:spcPts val="0"/>
               </a:spcAft>
-              <a:buSzPct val="100000"/>
+              <a:buSzPts val="1600"/>
               <a:buNone/>
               <a:defRPr sz="1600"/>
             </a:lvl5pPr>
@@ -1864,7 +2065,7 @@
               <a:spcAft>
                 <a:spcPts val="0"/>
               </a:spcAft>
-              <a:buSzPct val="100000"/>
+              <a:buSzPts val="1600"/>
               <a:buNone/>
               <a:defRPr sz="1600"/>
             </a:lvl6pPr>
@@ -1878,7 +2079,7 @@
               <a:spcAft>
                 <a:spcPts val="0"/>
               </a:spcAft>
-              <a:buSzPct val="100000"/>
+              <a:buSzPts val="1600"/>
               <a:buNone/>
               <a:defRPr sz="1600"/>
             </a:lvl7pPr>
@@ -1892,7 +2093,7 @@
               <a:spcAft>
                 <a:spcPts val="0"/>
               </a:spcAft>
-              <a:buSzPct val="100000"/>
+              <a:buSzPts val="1600"/>
               <a:buNone/>
               <a:defRPr sz="1600"/>
             </a:lvl8pPr>
@@ -1906,7 +2107,7 @@
               <a:spcAft>
                 <a:spcPts val="0"/>
               </a:spcAft>
-              <a:buSzPct val="100000"/>
+              <a:buSzPts val="1600"/>
               <a:buNone/>
               <a:defRPr sz="1600"/>
             </a:lvl9pPr>
@@ -1937,7 +2138,7 @@
           </a:bodyPr>
           <a:lstStyle/>
           <a:p>
-            <a:pPr lvl="0">
+            <a:pPr indent="0" lvl="0" marL="0">
               <a:spcBef>
                 <a:spcPts val="0"/>
               </a:spcBef>
@@ -2023,7 +2224,7 @@
             </a:bodyPr>
             <a:lstStyle/>
             <a:p>
-              <a:pPr lvl="0">
+              <a:pPr indent="0" lvl="0" marL="0">
                 <a:spcBef>
                   <a:spcPts val="0"/>
                 </a:spcBef>
@@ -2063,7 +2264,7 @@
             </a:bodyPr>
             <a:lstStyle/>
             <a:p>
-              <a:pPr lvl="0">
+              <a:pPr indent="0" lvl="0" marL="0">
                 <a:spcBef>
                   <a:spcPts val="0"/>
                 </a:spcBef>
@@ -2104,7 +2305,8 @@
               <a:buClr>
                 <a:schemeClr val="lt1"/>
               </a:buClr>
-              <a:buSzPct val="100000"/>
+              <a:buSzPts val="8000"/>
+              <a:buNone/>
               <a:defRPr sz="8000">
                 <a:solidFill>
                   <a:schemeClr val="lt1"/>
@@ -2118,7 +2320,8 @@
               <a:buClr>
                 <a:schemeClr val="lt1"/>
               </a:buClr>
-              <a:buSzPct val="100000"/>
+              <a:buSzPts val="8000"/>
+              <a:buNone/>
               <a:defRPr sz="8000">
                 <a:solidFill>
                   <a:schemeClr val="lt1"/>
@@ -2132,7 +2335,8 @@
               <a:buClr>
                 <a:schemeClr val="lt1"/>
               </a:buClr>
-              <a:buSzPct val="100000"/>
+              <a:buSzPts val="8000"/>
+              <a:buNone/>
               <a:defRPr sz="8000">
                 <a:solidFill>
                   <a:schemeClr val="lt1"/>
@@ -2146,7 +2350,8 @@
               <a:buClr>
                 <a:schemeClr val="lt1"/>
               </a:buClr>
-              <a:buSzPct val="100000"/>
+              <a:buSzPts val="8000"/>
+              <a:buNone/>
               <a:defRPr sz="8000">
                 <a:solidFill>
                   <a:schemeClr val="lt1"/>
@@ -2160,7 +2365,8 @@
               <a:buClr>
                 <a:schemeClr val="lt1"/>
               </a:buClr>
-              <a:buSzPct val="100000"/>
+              <a:buSzPts val="8000"/>
+              <a:buNone/>
               <a:defRPr sz="8000">
                 <a:solidFill>
                   <a:schemeClr val="lt1"/>
@@ -2174,7 +2380,8 @@
               <a:buClr>
                 <a:schemeClr val="lt1"/>
               </a:buClr>
-              <a:buSzPct val="100000"/>
+              <a:buSzPts val="8000"/>
+              <a:buNone/>
               <a:defRPr sz="8000">
                 <a:solidFill>
                   <a:schemeClr val="lt1"/>
@@ -2188,7 +2395,8 @@
               <a:buClr>
                 <a:schemeClr val="lt1"/>
               </a:buClr>
-              <a:buSzPct val="100000"/>
+              <a:buSzPts val="8000"/>
+              <a:buNone/>
               <a:defRPr sz="8000">
                 <a:solidFill>
                   <a:schemeClr val="lt1"/>
@@ -2202,7 +2410,8 @@
               <a:buClr>
                 <a:schemeClr val="lt1"/>
               </a:buClr>
-              <a:buSzPct val="100000"/>
+              <a:buSzPts val="8000"/>
+              <a:buNone/>
               <a:defRPr sz="8000">
                 <a:solidFill>
                   <a:schemeClr val="lt1"/>
@@ -2216,7 +2425,8 @@
               <a:buClr>
                 <a:schemeClr val="lt1"/>
               </a:buClr>
-              <a:buSzPct val="100000"/>
+              <a:buSzPts val="8000"/>
+              <a:buNone/>
               <a:defRPr sz="8000">
                 <a:solidFill>
                   <a:schemeClr val="lt1"/>
@@ -2254,6 +2464,8 @@
               <a:buClr>
                 <a:schemeClr val="lt1"/>
               </a:buClr>
+              <a:buSzPts val="1300"/>
+              <a:buChar char="●"/>
               <a:defRPr>
                 <a:solidFill>
                   <a:schemeClr val="lt1"/>
@@ -2267,6 +2479,8 @@
               <a:buClr>
                 <a:schemeClr val="lt1"/>
               </a:buClr>
+              <a:buSzPts val="1100"/>
+              <a:buChar char="○"/>
               <a:defRPr>
                 <a:solidFill>
                   <a:schemeClr val="lt1"/>
@@ -2280,6 +2494,8 @@
               <a:buClr>
                 <a:schemeClr val="lt1"/>
               </a:buClr>
+              <a:buSzPts val="1100"/>
+              <a:buChar char="■"/>
               <a:defRPr>
                 <a:solidFill>
                   <a:schemeClr val="lt1"/>
@@ -2293,6 +2509,8 @@
               <a:buClr>
                 <a:schemeClr val="lt1"/>
               </a:buClr>
+              <a:buSzPts val="1100"/>
+              <a:buChar char="●"/>
               <a:defRPr>
                 <a:solidFill>
                   <a:schemeClr val="lt1"/>
@@ -2306,6 +2524,8 @@
               <a:buClr>
                 <a:schemeClr val="lt1"/>
               </a:buClr>
+              <a:buSzPts val="1100"/>
+              <a:buChar char="○"/>
               <a:defRPr>
                 <a:solidFill>
                   <a:schemeClr val="lt1"/>
@@ -2319,6 +2539,8 @@
               <a:buClr>
                 <a:schemeClr val="lt1"/>
               </a:buClr>
+              <a:buSzPts val="1100"/>
+              <a:buChar char="■"/>
               <a:defRPr>
                 <a:solidFill>
                   <a:schemeClr val="lt1"/>
@@ -2332,6 +2554,8 @@
               <a:buClr>
                 <a:schemeClr val="lt1"/>
               </a:buClr>
+              <a:buSzPts val="1100"/>
+              <a:buChar char="●"/>
               <a:defRPr>
                 <a:solidFill>
                   <a:schemeClr val="lt1"/>
@@ -2345,6 +2569,8 @@
               <a:buClr>
                 <a:schemeClr val="lt1"/>
               </a:buClr>
+              <a:buSzPts val="1100"/>
+              <a:buChar char="○"/>
               <a:defRPr>
                 <a:solidFill>
                   <a:schemeClr val="lt1"/>
@@ -2358,6 +2584,8 @@
               <a:buClr>
                 <a:schemeClr val="lt1"/>
               </a:buClr>
+              <a:buSzPts val="1100"/>
+              <a:buChar char="■"/>
               <a:defRPr>
                 <a:solidFill>
                   <a:schemeClr val="lt1"/>
@@ -2391,7 +2619,7 @@
           </a:bodyPr>
           <a:lstStyle/>
           <a:p>
-            <a:pPr lvl="0">
+            <a:pPr indent="0" lvl="0" marL="0">
               <a:spcBef>
                 <a:spcPts val="0"/>
               </a:spcBef>
@@ -2456,7 +2684,7 @@
           </a:bodyPr>
           <a:lstStyle/>
           <a:p>
-            <a:pPr lvl="0">
+            <a:pPr indent="0" lvl="0" marL="0">
               <a:spcBef>
                 <a:spcPts val="0"/>
               </a:spcBef>
@@ -2542,7 +2770,7 @@
             </a:bodyPr>
             <a:lstStyle/>
             <a:p>
-              <a:pPr lvl="0">
+              <a:pPr indent="0" lvl="0" marL="0">
                 <a:spcBef>
                   <a:spcPts val="0"/>
                 </a:spcBef>
@@ -2582,7 +2810,7 @@
             </a:bodyPr>
             <a:lstStyle/>
             <a:p>
-              <a:pPr lvl="0">
+              <a:pPr indent="0" lvl="0" marL="0">
                 <a:spcBef>
                   <a:spcPts val="0"/>
                 </a:spcBef>
@@ -2623,7 +2851,8 @@
               <a:buClr>
                 <a:schemeClr val="lt1"/>
               </a:buClr>
-              <a:buSzPct val="100000"/>
+              <a:buSzPts val="3600"/>
+              <a:buNone/>
               <a:defRPr sz="3600">
                 <a:solidFill>
                   <a:schemeClr val="lt1"/>
@@ -2637,7 +2866,8 @@
               <a:buClr>
                 <a:schemeClr val="lt1"/>
               </a:buClr>
-              <a:buSzPct val="100000"/>
+              <a:buSzPts val="3600"/>
+              <a:buNone/>
               <a:defRPr sz="3600">
                 <a:solidFill>
                   <a:schemeClr val="lt1"/>
@@ -2651,7 +2881,8 @@
               <a:buClr>
                 <a:schemeClr val="lt1"/>
               </a:buClr>
-              <a:buSzPct val="100000"/>
+              <a:buSzPts val="3600"/>
+              <a:buNone/>
               <a:defRPr sz="3600">
                 <a:solidFill>
                   <a:schemeClr val="lt1"/>
@@ -2665,7 +2896,8 @@
               <a:buClr>
                 <a:schemeClr val="lt1"/>
               </a:buClr>
-              <a:buSzPct val="100000"/>
+              <a:buSzPts val="3600"/>
+              <a:buNone/>
               <a:defRPr sz="3600">
                 <a:solidFill>
                   <a:schemeClr val="lt1"/>
@@ -2679,7 +2911,8 @@
               <a:buClr>
                 <a:schemeClr val="lt1"/>
               </a:buClr>
-              <a:buSzPct val="100000"/>
+              <a:buSzPts val="3600"/>
+              <a:buNone/>
               <a:defRPr sz="3600">
                 <a:solidFill>
                   <a:schemeClr val="lt1"/>
@@ -2693,7 +2926,8 @@
               <a:buClr>
                 <a:schemeClr val="lt1"/>
               </a:buClr>
-              <a:buSzPct val="100000"/>
+              <a:buSzPts val="3600"/>
+              <a:buNone/>
               <a:defRPr sz="3600">
                 <a:solidFill>
                   <a:schemeClr val="lt1"/>
@@ -2707,7 +2941,8 @@
               <a:buClr>
                 <a:schemeClr val="lt1"/>
               </a:buClr>
-              <a:buSzPct val="100000"/>
+              <a:buSzPts val="3600"/>
+              <a:buNone/>
               <a:defRPr sz="3600">
                 <a:solidFill>
                   <a:schemeClr val="lt1"/>
@@ -2721,7 +2956,8 @@
               <a:buClr>
                 <a:schemeClr val="lt1"/>
               </a:buClr>
-              <a:buSzPct val="100000"/>
+              <a:buSzPts val="3600"/>
+              <a:buNone/>
               <a:defRPr sz="3600">
                 <a:solidFill>
                   <a:schemeClr val="lt1"/>
@@ -2735,7 +2971,8 @@
               <a:buClr>
                 <a:schemeClr val="lt1"/>
               </a:buClr>
-              <a:buSzPct val="100000"/>
+              <a:buSzPts val="3600"/>
+              <a:buNone/>
               <a:defRPr sz="3600">
                 <a:solidFill>
                   <a:schemeClr val="lt1"/>
@@ -2769,7 +3006,7 @@
           </a:bodyPr>
           <a:lstStyle/>
           <a:p>
-            <a:pPr lvl="0">
+            <a:pPr indent="0" lvl="0" marL="0">
               <a:spcBef>
                 <a:spcPts val="0"/>
               </a:spcBef>
@@ -2838,7 +3075,7 @@
           </a:bodyPr>
           <a:lstStyle/>
           <a:p>
-            <a:pPr lvl="0">
+            <a:pPr indent="0" lvl="0" marL="0">
               <a:spcBef>
                 <a:spcPts val="0"/>
               </a:spcBef>
@@ -2892,7 +3129,7 @@
             </a:bodyPr>
             <a:lstStyle/>
             <a:p>
-              <a:pPr lvl="0">
+              <a:pPr indent="0" lvl="0" marL="0">
                 <a:spcBef>
                   <a:spcPts val="0"/>
                 </a:spcBef>
@@ -2932,7 +3169,7 @@
             </a:bodyPr>
             <a:lstStyle/>
             <a:p>
-              <a:pPr lvl="0">
+              <a:pPr indent="0" lvl="0" marL="0">
                 <a:spcBef>
                   <a:spcPts val="0"/>
                 </a:spcBef>
@@ -2973,7 +3210,8 @@
               <a:buClr>
                 <a:schemeClr val="dk2"/>
               </a:buClr>
-              <a:buSzPct val="100000"/>
+              <a:buSzPts val="2600"/>
+              <a:buNone/>
               <a:defRPr sz="2600">
                 <a:solidFill>
                   <a:schemeClr val="dk2"/>
@@ -2987,7 +3225,8 @@
               <a:buClr>
                 <a:schemeClr val="dk2"/>
               </a:buClr>
-              <a:buSzPct val="100000"/>
+              <a:buSzPts val="2600"/>
+              <a:buNone/>
               <a:defRPr sz="2600">
                 <a:solidFill>
                   <a:schemeClr val="dk2"/>
@@ -3001,7 +3240,8 @@
               <a:buClr>
                 <a:schemeClr val="dk2"/>
               </a:buClr>
-              <a:buSzPct val="100000"/>
+              <a:buSzPts val="2600"/>
+              <a:buNone/>
               <a:defRPr sz="2600">
                 <a:solidFill>
                   <a:schemeClr val="dk2"/>
@@ -3015,7 +3255,8 @@
               <a:buClr>
                 <a:schemeClr val="dk2"/>
               </a:buClr>
-              <a:buSzPct val="100000"/>
+              <a:buSzPts val="2600"/>
+              <a:buNone/>
               <a:defRPr sz="2600">
                 <a:solidFill>
                   <a:schemeClr val="dk2"/>
@@ -3029,7 +3270,8 @@
               <a:buClr>
                 <a:schemeClr val="dk2"/>
               </a:buClr>
-              <a:buSzPct val="100000"/>
+              <a:buSzPts val="2600"/>
+              <a:buNone/>
               <a:defRPr sz="2600">
                 <a:solidFill>
                   <a:schemeClr val="dk2"/>
@@ -3043,7 +3285,8 @@
               <a:buClr>
                 <a:schemeClr val="dk2"/>
               </a:buClr>
-              <a:buSzPct val="100000"/>
+              <a:buSzPts val="2600"/>
+              <a:buNone/>
               <a:defRPr sz="2600">
                 <a:solidFill>
                   <a:schemeClr val="dk2"/>
@@ -3057,7 +3300,8 @@
               <a:buClr>
                 <a:schemeClr val="dk2"/>
               </a:buClr>
-              <a:buSzPct val="100000"/>
+              <a:buSzPts val="2600"/>
+              <a:buNone/>
               <a:defRPr sz="2600">
                 <a:solidFill>
                   <a:schemeClr val="dk2"/>
@@ -3071,7 +3315,8 @@
               <a:buClr>
                 <a:schemeClr val="dk2"/>
               </a:buClr>
-              <a:buSzPct val="100000"/>
+              <a:buSzPts val="2600"/>
+              <a:buNone/>
               <a:defRPr sz="2600">
                 <a:solidFill>
                   <a:schemeClr val="dk2"/>
@@ -3085,7 +3330,8 @@
               <a:buClr>
                 <a:schemeClr val="dk2"/>
               </a:buClr>
-              <a:buSzPct val="100000"/>
+              <a:buSzPts val="2600"/>
+              <a:buNone/>
               <a:defRPr sz="2600">
                 <a:solidFill>
                   <a:schemeClr val="dk2"/>
@@ -3120,54 +3366,72 @@
               <a:spcBef>
                 <a:spcPts val="0"/>
               </a:spcBef>
+              <a:buSzPts val="1300"/>
+              <a:buChar char="●"/>
               <a:defRPr/>
             </a:lvl1pPr>
             <a:lvl2pPr lvl="1">
               <a:spcBef>
                 <a:spcPts val="0"/>
               </a:spcBef>
+              <a:buSzPts val="1100"/>
+              <a:buChar char="○"/>
               <a:defRPr/>
             </a:lvl2pPr>
             <a:lvl3pPr lvl="2">
               <a:spcBef>
                 <a:spcPts val="0"/>
               </a:spcBef>
+              <a:buSzPts val="1100"/>
+              <a:buChar char="■"/>
               <a:defRPr/>
             </a:lvl3pPr>
             <a:lvl4pPr lvl="3">
               <a:spcBef>
                 <a:spcPts val="0"/>
               </a:spcBef>
+              <a:buSzPts val="1100"/>
+              <a:buChar char="●"/>
               <a:defRPr/>
             </a:lvl4pPr>
             <a:lvl5pPr lvl="4">
               <a:spcBef>
                 <a:spcPts val="0"/>
               </a:spcBef>
+              <a:buSzPts val="1100"/>
+              <a:buChar char="○"/>
               <a:defRPr/>
             </a:lvl5pPr>
             <a:lvl6pPr lvl="5">
               <a:spcBef>
                 <a:spcPts val="0"/>
               </a:spcBef>
+              <a:buSzPts val="1100"/>
+              <a:buChar char="■"/>
               <a:defRPr/>
             </a:lvl6pPr>
             <a:lvl7pPr lvl="6">
               <a:spcBef>
                 <a:spcPts val="0"/>
               </a:spcBef>
+              <a:buSzPts val="1100"/>
+              <a:buChar char="●"/>
               <a:defRPr/>
             </a:lvl7pPr>
             <a:lvl8pPr lvl="7">
               <a:spcBef>
                 <a:spcPts val="0"/>
               </a:spcBef>
+              <a:buSzPts val="1100"/>
+              <a:buChar char="○"/>
               <a:defRPr/>
             </a:lvl8pPr>
             <a:lvl9pPr lvl="8">
               <a:spcBef>
                 <a:spcPts val="0"/>
               </a:spcBef>
+              <a:buSzPts val="1100"/>
+              <a:buChar char="■"/>
               <a:defRPr/>
             </a:lvl9pPr>
           </a:lstStyle>
@@ -3197,7 +3461,7 @@
           </a:bodyPr>
           <a:lstStyle/>
           <a:p>
-            <a:pPr lvl="0">
+            <a:pPr indent="0" lvl="0" marL="0">
               <a:spcBef>
                 <a:spcPts val="0"/>
               </a:spcBef>
@@ -3262,7 +3526,7 @@
           </a:bodyPr>
           <a:lstStyle/>
           <a:p>
-            <a:pPr lvl="0">
+            <a:pPr indent="0" lvl="0" marL="0">
               <a:spcBef>
                 <a:spcPts val="0"/>
               </a:spcBef>
@@ -3316,7 +3580,7 @@
             </a:bodyPr>
             <a:lstStyle/>
             <a:p>
-              <a:pPr lvl="0">
+              <a:pPr indent="0" lvl="0" marL="0">
                 <a:spcBef>
                   <a:spcPts val="0"/>
                 </a:spcBef>
@@ -3356,7 +3620,7 @@
             </a:bodyPr>
             <a:lstStyle/>
             <a:p>
-              <a:pPr lvl="0">
+              <a:pPr indent="0" lvl="0" marL="0">
                 <a:spcBef>
                   <a:spcPts val="0"/>
                 </a:spcBef>
@@ -3397,7 +3661,8 @@
               <a:buClr>
                 <a:schemeClr val="dk2"/>
               </a:buClr>
-              <a:buSzPct val="100000"/>
+              <a:buSzPts val="2600"/>
+              <a:buNone/>
               <a:defRPr sz="2600">
                 <a:solidFill>
                   <a:schemeClr val="dk2"/>
@@ -3411,7 +3676,8 @@
               <a:buClr>
                 <a:schemeClr val="dk2"/>
               </a:buClr>
-              <a:buSzPct val="100000"/>
+              <a:buSzPts val="2600"/>
+              <a:buNone/>
               <a:defRPr sz="2600">
                 <a:solidFill>
                   <a:schemeClr val="dk2"/>
@@ -3425,7 +3691,8 @@
               <a:buClr>
                 <a:schemeClr val="dk2"/>
               </a:buClr>
-              <a:buSzPct val="100000"/>
+              <a:buSzPts val="2600"/>
+              <a:buNone/>
               <a:defRPr sz="2600">
                 <a:solidFill>
                   <a:schemeClr val="dk2"/>
@@ -3439,7 +3706,8 @@
               <a:buClr>
                 <a:schemeClr val="dk2"/>
               </a:buClr>
-              <a:buSzPct val="100000"/>
+              <a:buSzPts val="2600"/>
+              <a:buNone/>
               <a:defRPr sz="2600">
                 <a:solidFill>
                   <a:schemeClr val="dk2"/>
@@ -3453,7 +3721,8 @@
               <a:buClr>
                 <a:schemeClr val="dk2"/>
               </a:buClr>
-              <a:buSzPct val="100000"/>
+              <a:buSzPts val="2600"/>
+              <a:buNone/>
               <a:defRPr sz="2600">
                 <a:solidFill>
                   <a:schemeClr val="dk2"/>
@@ -3467,7 +3736,8 @@
               <a:buClr>
                 <a:schemeClr val="dk2"/>
               </a:buClr>
-              <a:buSzPct val="100000"/>
+              <a:buSzPts val="2600"/>
+              <a:buNone/>
               <a:defRPr sz="2600">
                 <a:solidFill>
                   <a:schemeClr val="dk2"/>
@@ -3481,7 +3751,8 @@
               <a:buClr>
                 <a:schemeClr val="dk2"/>
               </a:buClr>
-              <a:buSzPct val="100000"/>
+              <a:buSzPts val="2600"/>
+              <a:buNone/>
               <a:defRPr sz="2600">
                 <a:solidFill>
                   <a:schemeClr val="dk2"/>
@@ -3495,7 +3766,8 @@
               <a:buClr>
                 <a:schemeClr val="dk2"/>
               </a:buClr>
-              <a:buSzPct val="100000"/>
+              <a:buSzPts val="2600"/>
+              <a:buNone/>
               <a:defRPr sz="2600">
                 <a:solidFill>
                   <a:schemeClr val="dk2"/>
@@ -3509,7 +3781,8 @@
               <a:buClr>
                 <a:schemeClr val="dk2"/>
               </a:buClr>
-              <a:buSzPct val="100000"/>
+              <a:buSzPts val="2600"/>
+              <a:buNone/>
               <a:defRPr sz="2600">
                 <a:solidFill>
                   <a:schemeClr val="dk2"/>
@@ -3544,54 +3817,72 @@
               <a:spcBef>
                 <a:spcPts val="0"/>
               </a:spcBef>
+              <a:buSzPts val="1300"/>
+              <a:buChar char="●"/>
               <a:defRPr/>
             </a:lvl1pPr>
             <a:lvl2pPr lvl="1">
               <a:spcBef>
                 <a:spcPts val="0"/>
               </a:spcBef>
+              <a:buSzPts val="1100"/>
+              <a:buChar char="○"/>
               <a:defRPr/>
             </a:lvl2pPr>
             <a:lvl3pPr lvl="2">
               <a:spcBef>
                 <a:spcPts val="0"/>
               </a:spcBef>
+              <a:buSzPts val="1100"/>
+              <a:buChar char="■"/>
               <a:defRPr/>
             </a:lvl3pPr>
             <a:lvl4pPr lvl="3">
               <a:spcBef>
                 <a:spcPts val="0"/>
               </a:spcBef>
+              <a:buSzPts val="1100"/>
+              <a:buChar char="●"/>
               <a:defRPr/>
             </a:lvl4pPr>
             <a:lvl5pPr lvl="4">
               <a:spcBef>
                 <a:spcPts val="0"/>
               </a:spcBef>
+              <a:buSzPts val="1100"/>
+              <a:buChar char="○"/>
               <a:defRPr/>
             </a:lvl5pPr>
             <a:lvl6pPr lvl="5">
               <a:spcBef>
                 <a:spcPts val="0"/>
               </a:spcBef>
+              <a:buSzPts val="1100"/>
+              <a:buChar char="■"/>
               <a:defRPr/>
             </a:lvl6pPr>
             <a:lvl7pPr lvl="6">
               <a:spcBef>
                 <a:spcPts val="0"/>
               </a:spcBef>
+              <a:buSzPts val="1100"/>
+              <a:buChar char="●"/>
               <a:defRPr/>
             </a:lvl7pPr>
             <a:lvl8pPr lvl="7">
               <a:spcBef>
                 <a:spcPts val="0"/>
               </a:spcBef>
+              <a:buSzPts val="1100"/>
+              <a:buChar char="○"/>
               <a:defRPr/>
             </a:lvl8pPr>
             <a:lvl9pPr lvl="8">
               <a:spcBef>
                 <a:spcPts val="0"/>
               </a:spcBef>
+              <a:buSzPts val="1100"/>
+              <a:buChar char="■"/>
               <a:defRPr/>
             </a:lvl9pPr>
           </a:lstStyle>
@@ -3622,54 +3913,72 @@
               <a:spcBef>
                 <a:spcPts val="0"/>
               </a:spcBef>
+              <a:buSzPts val="1300"/>
+              <a:buChar char="●"/>
               <a:defRPr/>
             </a:lvl1pPr>
             <a:lvl2pPr lvl="1">
               <a:spcBef>
                 <a:spcPts val="0"/>
               </a:spcBef>
+              <a:buSzPts val="1100"/>
+              <a:buChar char="○"/>
               <a:defRPr/>
             </a:lvl2pPr>
             <a:lvl3pPr lvl="2">
               <a:spcBef>
                 <a:spcPts val="0"/>
               </a:spcBef>
+              <a:buSzPts val="1100"/>
+              <a:buChar char="■"/>
               <a:defRPr/>
             </a:lvl3pPr>
             <a:lvl4pPr lvl="3">
               <a:spcBef>
                 <a:spcPts val="0"/>
               </a:spcBef>
+              <a:buSzPts val="1100"/>
+              <a:buChar char="●"/>
               <a:defRPr/>
             </a:lvl4pPr>
             <a:lvl5pPr lvl="4">
               <a:spcBef>
                 <a:spcPts val="0"/>
               </a:spcBef>
+              <a:buSzPts val="1100"/>
+              <a:buChar char="○"/>
               <a:defRPr/>
             </a:lvl5pPr>
             <a:lvl6pPr lvl="5">
               <a:spcBef>
                 <a:spcPts val="0"/>
               </a:spcBef>
+              <a:buSzPts val="1100"/>
+              <a:buChar char="■"/>
               <a:defRPr/>
             </a:lvl6pPr>
             <a:lvl7pPr lvl="6">
               <a:spcBef>
                 <a:spcPts val="0"/>
               </a:spcBef>
+              <a:buSzPts val="1100"/>
+              <a:buChar char="●"/>
               <a:defRPr/>
             </a:lvl7pPr>
             <a:lvl8pPr lvl="7">
               <a:spcBef>
                 <a:spcPts val="0"/>
               </a:spcBef>
+              <a:buSzPts val="1100"/>
+              <a:buChar char="○"/>
               <a:defRPr/>
             </a:lvl8pPr>
             <a:lvl9pPr lvl="8">
               <a:spcBef>
                 <a:spcPts val="0"/>
               </a:spcBef>
+              <a:buSzPts val="1100"/>
+              <a:buChar char="■"/>
               <a:defRPr/>
             </a:lvl9pPr>
           </a:lstStyle>
@@ -3699,7 +4008,7 @@
           </a:bodyPr>
           <a:lstStyle/>
           <a:p>
-            <a:pPr lvl="0">
+            <a:pPr indent="0" lvl="0" marL="0">
               <a:spcBef>
                 <a:spcPts val="0"/>
               </a:spcBef>
@@ -3764,7 +4073,7 @@
           </a:bodyPr>
           <a:lstStyle/>
           <a:p>
-            <a:pPr lvl="0">
+            <a:pPr indent="0" lvl="0" marL="0">
               <a:spcBef>
                 <a:spcPts val="0"/>
               </a:spcBef>
@@ -3818,7 +4127,7 @@
             </a:bodyPr>
             <a:lstStyle/>
             <a:p>
-              <a:pPr lvl="0">
+              <a:pPr indent="0" lvl="0" marL="0">
                 <a:spcBef>
                   <a:spcPts val="0"/>
                 </a:spcBef>
@@ -3858,7 +4167,7 @@
             </a:bodyPr>
             <a:lstStyle/>
             <a:p>
-              <a:pPr lvl="0">
+              <a:pPr indent="0" lvl="0" marL="0">
                 <a:spcBef>
                   <a:spcPts val="0"/>
                 </a:spcBef>
@@ -3899,7 +4208,8 @@
               <a:buClr>
                 <a:schemeClr val="dk2"/>
               </a:buClr>
-              <a:buSzPct val="100000"/>
+              <a:buSzPts val="2600"/>
+              <a:buNone/>
               <a:defRPr sz="2600">
                 <a:solidFill>
                   <a:schemeClr val="dk2"/>
@@ -3913,7 +4223,8 @@
               <a:buClr>
                 <a:schemeClr val="dk2"/>
               </a:buClr>
-              <a:buSzPct val="100000"/>
+              <a:buSzPts val="2600"/>
+              <a:buNone/>
               <a:defRPr sz="2600">
                 <a:solidFill>
                   <a:schemeClr val="dk2"/>
@@ -3927,7 +4238,8 @@
               <a:buClr>
                 <a:schemeClr val="dk2"/>
               </a:buClr>
-              <a:buSzPct val="100000"/>
+              <a:buSzPts val="2600"/>
+              <a:buNone/>
               <a:defRPr sz="2600">
                 <a:solidFill>
                   <a:schemeClr val="dk2"/>
@@ -3941,7 +4253,8 @@
               <a:buClr>
                 <a:schemeClr val="dk2"/>
               </a:buClr>
-              <a:buSzPct val="100000"/>
+              <a:buSzPts val="2600"/>
+              <a:buNone/>
               <a:defRPr sz="2600">
                 <a:solidFill>
                   <a:schemeClr val="dk2"/>
@@ -3955,7 +4268,8 @@
               <a:buClr>
                 <a:schemeClr val="dk2"/>
               </a:buClr>
-              <a:buSzPct val="100000"/>
+              <a:buSzPts val="2600"/>
+              <a:buNone/>
               <a:defRPr sz="2600">
                 <a:solidFill>
                   <a:schemeClr val="dk2"/>
@@ -3969,7 +4283,8 @@
               <a:buClr>
                 <a:schemeClr val="dk2"/>
               </a:buClr>
-              <a:buSzPct val="100000"/>
+              <a:buSzPts val="2600"/>
+              <a:buNone/>
               <a:defRPr sz="2600">
                 <a:solidFill>
                   <a:schemeClr val="dk2"/>
@@ -3983,7 +4298,8 @@
               <a:buClr>
                 <a:schemeClr val="dk2"/>
               </a:buClr>
-              <a:buSzPct val="100000"/>
+              <a:buSzPts val="2600"/>
+              <a:buNone/>
               <a:defRPr sz="2600">
                 <a:solidFill>
                   <a:schemeClr val="dk2"/>
@@ -3997,7 +4313,8 @@
               <a:buClr>
                 <a:schemeClr val="dk2"/>
               </a:buClr>
-              <a:buSzPct val="100000"/>
+              <a:buSzPts val="2600"/>
+              <a:buNone/>
               <a:defRPr sz="2600">
                 <a:solidFill>
                   <a:schemeClr val="dk2"/>
@@ -4011,7 +4328,8 @@
               <a:buClr>
                 <a:schemeClr val="dk2"/>
               </a:buClr>
-              <a:buSzPct val="100000"/>
+              <a:buSzPts val="2600"/>
+              <a:buNone/>
               <a:defRPr sz="2600">
                 <a:solidFill>
                   <a:schemeClr val="dk2"/>
@@ -4045,7 +4363,7 @@
           </a:bodyPr>
           <a:lstStyle/>
           <a:p>
-            <a:pPr lvl="0">
+            <a:pPr indent="0" lvl="0" marL="0">
               <a:spcBef>
                 <a:spcPts val="0"/>
               </a:spcBef>
@@ -4110,7 +4428,7 @@
           </a:bodyPr>
           <a:lstStyle/>
           <a:p>
-            <a:pPr lvl="0">
+            <a:pPr indent="0" lvl="0" marL="0">
               <a:spcBef>
                 <a:spcPts val="0"/>
               </a:spcBef>
@@ -4164,7 +4482,7 @@
             </a:bodyPr>
             <a:lstStyle/>
             <a:p>
-              <a:pPr lvl="0">
+              <a:pPr indent="0" lvl="0" marL="0">
                 <a:spcBef>
                   <a:spcPts val="0"/>
                 </a:spcBef>
@@ -4204,7 +4522,7 @@
             </a:bodyPr>
             <a:lstStyle/>
             <a:p>
-              <a:pPr lvl="0">
+              <a:pPr indent="0" lvl="0" marL="0">
                 <a:spcBef>
                   <a:spcPts val="0"/>
                 </a:spcBef>
@@ -4245,7 +4563,8 @@
               <a:buClr>
                 <a:schemeClr val="dk2"/>
               </a:buClr>
-              <a:buSzPct val="100000"/>
+              <a:buSzPts val="2600"/>
+              <a:buNone/>
               <a:defRPr sz="2600">
                 <a:solidFill>
                   <a:schemeClr val="dk2"/>
@@ -4259,7 +4578,8 @@
               <a:buClr>
                 <a:schemeClr val="dk2"/>
               </a:buClr>
-              <a:buSzPct val="100000"/>
+              <a:buSzPts val="2600"/>
+              <a:buNone/>
               <a:defRPr sz="2600">
                 <a:solidFill>
                   <a:schemeClr val="dk2"/>
@@ -4273,7 +4593,8 @@
               <a:buClr>
                 <a:schemeClr val="dk2"/>
               </a:buClr>
-              <a:buSzPct val="100000"/>
+              <a:buSzPts val="2600"/>
+              <a:buNone/>
               <a:defRPr sz="2600">
                 <a:solidFill>
                   <a:schemeClr val="dk2"/>
@@ -4287,7 +4608,8 @@
               <a:buClr>
                 <a:schemeClr val="dk2"/>
               </a:buClr>
-              <a:buSzPct val="100000"/>
+              <a:buSzPts val="2600"/>
+              <a:buNone/>
               <a:defRPr sz="2600">
                 <a:solidFill>
                   <a:schemeClr val="dk2"/>
@@ -4301,7 +4623,8 @@
               <a:buClr>
                 <a:schemeClr val="dk2"/>
               </a:buClr>
-              <a:buSzPct val="100000"/>
+              <a:buSzPts val="2600"/>
+              <a:buNone/>
               <a:defRPr sz="2600">
                 <a:solidFill>
                   <a:schemeClr val="dk2"/>
@@ -4315,7 +4638,8 @@
               <a:buClr>
                 <a:schemeClr val="dk2"/>
               </a:buClr>
-              <a:buSzPct val="100000"/>
+              <a:buSzPts val="2600"/>
+              <a:buNone/>
               <a:defRPr sz="2600">
                 <a:solidFill>
                   <a:schemeClr val="dk2"/>
@@ -4329,7 +4653,8 @@
               <a:buClr>
                 <a:schemeClr val="dk2"/>
               </a:buClr>
-              <a:buSzPct val="100000"/>
+              <a:buSzPts val="2600"/>
+              <a:buNone/>
               <a:defRPr sz="2600">
                 <a:solidFill>
                   <a:schemeClr val="dk2"/>
@@ -4343,7 +4668,8 @@
               <a:buClr>
                 <a:schemeClr val="dk2"/>
               </a:buClr>
-              <a:buSzPct val="100000"/>
+              <a:buSzPts val="2600"/>
+              <a:buNone/>
               <a:defRPr sz="2600">
                 <a:solidFill>
                   <a:schemeClr val="dk2"/>
@@ -4357,7 +4683,8 @@
               <a:buClr>
                 <a:schemeClr val="dk2"/>
               </a:buClr>
-              <a:buSzPct val="100000"/>
+              <a:buSzPts val="2600"/>
+              <a:buNone/>
               <a:defRPr sz="2600">
                 <a:solidFill>
                   <a:schemeClr val="dk2"/>
@@ -4392,54 +4719,72 @@
               <a:spcBef>
                 <a:spcPts val="0"/>
               </a:spcBef>
+              <a:buSzPts val="1300"/>
+              <a:buChar char="●"/>
               <a:defRPr/>
             </a:lvl1pPr>
             <a:lvl2pPr lvl="1">
               <a:spcBef>
                 <a:spcPts val="0"/>
               </a:spcBef>
+              <a:buSzPts val="1100"/>
+              <a:buChar char="○"/>
               <a:defRPr/>
             </a:lvl2pPr>
             <a:lvl3pPr lvl="2">
               <a:spcBef>
                 <a:spcPts val="0"/>
               </a:spcBef>
+              <a:buSzPts val="1100"/>
+              <a:buChar char="■"/>
               <a:defRPr/>
             </a:lvl3pPr>
             <a:lvl4pPr lvl="3">
               <a:spcBef>
                 <a:spcPts val="0"/>
               </a:spcBef>
+              <a:buSzPts val="1100"/>
+              <a:buChar char="●"/>
               <a:defRPr/>
             </a:lvl4pPr>
             <a:lvl5pPr lvl="4">
               <a:spcBef>
                 <a:spcPts val="0"/>
               </a:spcBef>
+              <a:buSzPts val="1100"/>
+              <a:buChar char="○"/>
               <a:defRPr/>
             </a:lvl5pPr>
             <a:lvl6pPr lvl="5">
               <a:spcBef>
                 <a:spcPts val="0"/>
               </a:spcBef>
+              <a:buSzPts val="1100"/>
+              <a:buChar char="■"/>
               <a:defRPr/>
             </a:lvl6pPr>
             <a:lvl7pPr lvl="6">
               <a:spcBef>
                 <a:spcPts val="0"/>
               </a:spcBef>
+              <a:buSzPts val="1100"/>
+              <a:buChar char="●"/>
               <a:defRPr/>
             </a:lvl7pPr>
             <a:lvl8pPr lvl="7">
               <a:spcBef>
                 <a:spcPts val="0"/>
               </a:spcBef>
+              <a:buSzPts val="1100"/>
+              <a:buChar char="○"/>
               <a:defRPr/>
             </a:lvl8pPr>
             <a:lvl9pPr lvl="8">
               <a:spcBef>
                 <a:spcPts val="0"/>
               </a:spcBef>
+              <a:buSzPts val="1100"/>
+              <a:buChar char="■"/>
               <a:defRPr/>
             </a:lvl9pPr>
           </a:lstStyle>
@@ -4469,7 +4814,7 @@
           </a:bodyPr>
           <a:lstStyle/>
           <a:p>
-            <a:pPr lvl="0">
+            <a:pPr indent="0" lvl="0" marL="0">
               <a:spcBef>
                 <a:spcPts val="0"/>
               </a:spcBef>
@@ -4555,7 +4900,7 @@
             </a:bodyPr>
             <a:lstStyle/>
             <a:p>
-              <a:pPr lvl="0">
+              <a:pPr indent="0" lvl="0" marL="0">
                 <a:spcBef>
                   <a:spcPts val="0"/>
                 </a:spcBef>
@@ -4595,7 +4940,7 @@
             </a:bodyPr>
             <a:lstStyle/>
             <a:p>
-              <a:pPr lvl="0">
+              <a:pPr indent="0" lvl="0" marL="0">
                 <a:spcBef>
                   <a:spcPts val="0"/>
                 </a:spcBef>
@@ -4636,7 +4981,8 @@
               <a:buClr>
                 <a:schemeClr val="lt1"/>
               </a:buClr>
-              <a:buSzPct val="100000"/>
+              <a:buSzPts val="3600"/>
+              <a:buNone/>
               <a:defRPr sz="3600">
                 <a:solidFill>
                   <a:schemeClr val="lt1"/>
@@ -4650,7 +4996,8 @@
               <a:buClr>
                 <a:schemeClr val="lt1"/>
               </a:buClr>
-              <a:buSzPct val="100000"/>
+              <a:buSzPts val="3600"/>
+              <a:buNone/>
               <a:defRPr sz="3600">
                 <a:solidFill>
                   <a:schemeClr val="lt1"/>
@@ -4664,7 +5011,8 @@
               <a:buClr>
                 <a:schemeClr val="lt1"/>
               </a:buClr>
-              <a:buSzPct val="100000"/>
+              <a:buSzPts val="3600"/>
+              <a:buNone/>
               <a:defRPr sz="3600">
                 <a:solidFill>
                   <a:schemeClr val="lt1"/>
@@ -4678,7 +5026,8 @@
               <a:buClr>
                 <a:schemeClr val="lt1"/>
               </a:buClr>
-              <a:buSzPct val="100000"/>
+              <a:buSzPts val="3600"/>
+              <a:buNone/>
               <a:defRPr sz="3600">
                 <a:solidFill>
                   <a:schemeClr val="lt1"/>
@@ -4692,7 +5041,8 @@
               <a:buClr>
                 <a:schemeClr val="lt1"/>
               </a:buClr>
-              <a:buSzPct val="100000"/>
+              <a:buSzPts val="3600"/>
+              <a:buNone/>
               <a:defRPr sz="3600">
                 <a:solidFill>
                   <a:schemeClr val="lt1"/>
@@ -4706,7 +5056,8 @@
               <a:buClr>
                 <a:schemeClr val="lt1"/>
               </a:buClr>
-              <a:buSzPct val="100000"/>
+              <a:buSzPts val="3600"/>
+              <a:buNone/>
               <a:defRPr sz="3600">
                 <a:solidFill>
                   <a:schemeClr val="lt1"/>
@@ -4720,7 +5071,8 @@
               <a:buClr>
                 <a:schemeClr val="lt1"/>
               </a:buClr>
-              <a:buSzPct val="100000"/>
+              <a:buSzPts val="3600"/>
+              <a:buNone/>
               <a:defRPr sz="3600">
                 <a:solidFill>
                   <a:schemeClr val="lt1"/>
@@ -4734,7 +5086,8 @@
               <a:buClr>
                 <a:schemeClr val="lt1"/>
               </a:buClr>
-              <a:buSzPct val="100000"/>
+              <a:buSzPts val="3600"/>
+              <a:buNone/>
               <a:defRPr sz="3600">
                 <a:solidFill>
                   <a:schemeClr val="lt1"/>
@@ -4748,7 +5101,8 @@
               <a:buClr>
                 <a:schemeClr val="lt1"/>
               </a:buClr>
-              <a:buSzPct val="100000"/>
+              <a:buSzPts val="3600"/>
+              <a:buNone/>
               <a:defRPr sz="3600">
                 <a:solidFill>
                   <a:schemeClr val="lt1"/>
@@ -4782,7 +5136,7 @@
           </a:bodyPr>
           <a:lstStyle/>
           <a:p>
-            <a:pPr lvl="0">
+            <a:pPr indent="0" lvl="0" marL="0">
               <a:spcBef>
                 <a:spcPts val="0"/>
               </a:spcBef>
@@ -4851,7 +5205,7 @@
           </a:bodyPr>
           <a:lstStyle/>
           <a:p>
-            <a:pPr lvl="0">
+            <a:pPr indent="0" lvl="0" marL="0">
               <a:spcBef>
                 <a:spcPts val="0"/>
               </a:spcBef>
@@ -4905,7 +5259,7 @@
             </a:bodyPr>
             <a:lstStyle/>
             <a:p>
-              <a:pPr lvl="0">
+              <a:pPr indent="0" lvl="0" marL="0">
                 <a:spcBef>
                   <a:spcPts val="0"/>
                 </a:spcBef>
@@ -4945,7 +5299,7 @@
             </a:bodyPr>
             <a:lstStyle/>
             <a:p>
-              <a:pPr lvl="0">
+              <a:pPr indent="0" lvl="0" marL="0">
                 <a:spcBef>
                   <a:spcPts val="0"/>
                 </a:spcBef>
@@ -4986,7 +5340,8 @@
               <a:buClr>
                 <a:schemeClr val="dk2"/>
               </a:buClr>
-              <a:buSzPct val="100000"/>
+              <a:buSzPts val="2600"/>
+              <a:buNone/>
               <a:defRPr sz="2600">
                 <a:solidFill>
                   <a:schemeClr val="dk2"/>
@@ -5000,7 +5355,8 @@
               <a:buClr>
                 <a:schemeClr val="dk2"/>
               </a:buClr>
-              <a:buSzPct val="100000"/>
+              <a:buSzPts val="2600"/>
+              <a:buNone/>
               <a:defRPr sz="2600">
                 <a:solidFill>
                   <a:schemeClr val="dk2"/>
@@ -5014,7 +5370,8 @@
               <a:buClr>
                 <a:schemeClr val="dk2"/>
               </a:buClr>
-              <a:buSzPct val="100000"/>
+              <a:buSzPts val="2600"/>
+              <a:buNone/>
               <a:defRPr sz="2600">
                 <a:solidFill>
                   <a:schemeClr val="dk2"/>
@@ -5028,7 +5385,8 @@
               <a:buClr>
                 <a:schemeClr val="dk2"/>
               </a:buClr>
-              <a:buSzPct val="100000"/>
+              <a:buSzPts val="2600"/>
+              <a:buNone/>
               <a:defRPr sz="2600">
                 <a:solidFill>
                   <a:schemeClr val="dk2"/>
@@ -5042,7 +5400,8 @@
               <a:buClr>
                 <a:schemeClr val="dk2"/>
               </a:buClr>
-              <a:buSzPct val="100000"/>
+              <a:buSzPts val="2600"/>
+              <a:buNone/>
               <a:defRPr sz="2600">
                 <a:solidFill>
                   <a:schemeClr val="dk2"/>
@@ -5056,7 +5415,8 @@
               <a:buClr>
                 <a:schemeClr val="dk2"/>
               </a:buClr>
-              <a:buSzPct val="100000"/>
+              <a:buSzPts val="2600"/>
+              <a:buNone/>
               <a:defRPr sz="2600">
                 <a:solidFill>
                   <a:schemeClr val="dk2"/>
@@ -5070,7 +5430,8 @@
               <a:buClr>
                 <a:schemeClr val="dk2"/>
               </a:buClr>
-              <a:buSzPct val="100000"/>
+              <a:buSzPts val="2600"/>
+              <a:buNone/>
               <a:defRPr sz="2600">
                 <a:solidFill>
                   <a:schemeClr val="dk2"/>
@@ -5084,7 +5445,8 @@
               <a:buClr>
                 <a:schemeClr val="dk2"/>
               </a:buClr>
-              <a:buSzPct val="100000"/>
+              <a:buSzPts val="2600"/>
+              <a:buNone/>
               <a:defRPr sz="2600">
                 <a:solidFill>
                   <a:schemeClr val="dk2"/>
@@ -5098,7 +5460,8 @@
               <a:buClr>
                 <a:schemeClr val="dk2"/>
               </a:buClr>
-              <a:buSzPct val="100000"/>
+              <a:buSzPts val="2600"/>
+              <a:buNone/>
               <a:defRPr sz="2600">
                 <a:solidFill>
                   <a:schemeClr val="dk2"/>
@@ -5139,7 +5502,7 @@
               <a:spcAft>
                 <a:spcPts val="0"/>
               </a:spcAft>
-              <a:buSzPct val="100000"/>
+              <a:buSzPts val="1600"/>
               <a:buNone/>
               <a:defRPr sz="1600"/>
             </a:lvl1pPr>
@@ -5153,7 +5516,7 @@
               <a:spcAft>
                 <a:spcPts val="0"/>
               </a:spcAft>
-              <a:buSzPct val="100000"/>
+              <a:buSzPts val="1600"/>
               <a:buNone/>
               <a:defRPr sz="1600"/>
             </a:lvl2pPr>
@@ -5167,7 +5530,7 @@
               <a:spcAft>
                 <a:spcPts val="0"/>
               </a:spcAft>
-              <a:buSzPct val="100000"/>
+              <a:buSzPts val="1600"/>
               <a:buNone/>
               <a:defRPr sz="1600"/>
             </a:lvl3pPr>
@@ -5181,7 +5544,7 @@
               <a:spcAft>
                 <a:spcPts val="0"/>
               </a:spcAft>
-              <a:buSzPct val="100000"/>
+              <a:buSzPts val="1600"/>
               <a:buNone/>
               <a:defRPr sz="1600"/>
             </a:lvl4pPr>
@@ -5195,7 +5558,7 @@
               <a:spcAft>
                 <a:spcPts val="0"/>
               </a:spcAft>
-              <a:buSzPct val="100000"/>
+              <a:buSzPts val="1600"/>
               <a:buNone/>
               <a:defRPr sz="1600"/>
             </a:lvl5pPr>
@@ -5209,7 +5572,7 @@
               <a:spcAft>
                 <a:spcPts val="0"/>
               </a:spcAft>
-              <a:buSzPct val="100000"/>
+              <a:buSzPts val="1600"/>
               <a:buNone/>
               <a:defRPr sz="1600"/>
             </a:lvl6pPr>
@@ -5223,7 +5586,7 @@
               <a:spcAft>
                 <a:spcPts val="0"/>
               </a:spcAft>
-              <a:buSzPct val="100000"/>
+              <a:buSzPts val="1600"/>
               <a:buNone/>
               <a:defRPr sz="1600"/>
             </a:lvl7pPr>
@@ -5237,7 +5600,7 @@
               <a:spcAft>
                 <a:spcPts val="0"/>
               </a:spcAft>
-              <a:buSzPct val="100000"/>
+              <a:buSzPts val="1600"/>
               <a:buNone/>
               <a:defRPr sz="1600"/>
             </a:lvl8pPr>
@@ -5251,7 +5614,7 @@
               <a:spcAft>
                 <a:spcPts val="0"/>
               </a:spcAft>
-              <a:buSzPct val="100000"/>
+              <a:buSzPts val="1600"/>
               <a:buNone/>
               <a:defRPr sz="1600"/>
             </a:lvl9pPr>
@@ -5283,54 +5646,72 @@
               <a:spcBef>
                 <a:spcPts val="0"/>
               </a:spcBef>
+              <a:buSzPts val="1300"/>
+              <a:buChar char="●"/>
               <a:defRPr/>
             </a:lvl1pPr>
             <a:lvl2pPr lvl="1">
               <a:spcBef>
                 <a:spcPts val="0"/>
               </a:spcBef>
+              <a:buSzPts val="1100"/>
+              <a:buChar char="○"/>
               <a:defRPr/>
             </a:lvl2pPr>
             <a:lvl3pPr lvl="2">
               <a:spcBef>
                 <a:spcPts val="0"/>
               </a:spcBef>
+              <a:buSzPts val="1100"/>
+              <a:buChar char="■"/>
               <a:defRPr/>
             </a:lvl3pPr>
             <a:lvl4pPr lvl="3">
               <a:spcBef>
                 <a:spcPts val="0"/>
               </a:spcBef>
+              <a:buSzPts val="1100"/>
+              <a:buChar char="●"/>
               <a:defRPr/>
             </a:lvl4pPr>
             <a:lvl5pPr lvl="4">
               <a:spcBef>
                 <a:spcPts val="0"/>
               </a:spcBef>
+              <a:buSzPts val="1100"/>
+              <a:buChar char="○"/>
               <a:defRPr/>
             </a:lvl5pPr>
             <a:lvl6pPr lvl="5">
               <a:spcBef>
                 <a:spcPts val="0"/>
               </a:spcBef>
+              <a:buSzPts val="1100"/>
+              <a:buChar char="■"/>
               <a:defRPr/>
             </a:lvl6pPr>
             <a:lvl7pPr lvl="6">
               <a:spcBef>
                 <a:spcPts val="0"/>
               </a:spcBef>
+              <a:buSzPts val="1100"/>
+              <a:buChar char="●"/>
               <a:defRPr/>
             </a:lvl7pPr>
             <a:lvl8pPr lvl="7">
               <a:spcBef>
                 <a:spcPts val="0"/>
               </a:spcBef>
+              <a:buSzPts val="1100"/>
+              <a:buChar char="○"/>
               <a:defRPr/>
             </a:lvl8pPr>
             <a:lvl9pPr lvl="8">
               <a:spcBef>
                 <a:spcPts val="0"/>
               </a:spcBef>
+              <a:buSzPts val="1100"/>
+              <a:buChar char="■"/>
               <a:defRPr/>
             </a:lvl9pPr>
           </a:lstStyle>
@@ -5360,7 +5741,7 @@
           </a:bodyPr>
           <a:lstStyle/>
           <a:p>
-            <a:pPr lvl="0">
+            <a:pPr indent="0" lvl="0" marL="0">
               <a:spcBef>
                 <a:spcPts val="0"/>
               </a:spcBef>
@@ -5428,6 +5809,7 @@
               <a:spcAft>
                 <a:spcPts val="0"/>
               </a:spcAft>
+              <a:buSzPts val="1300"/>
               <a:buNone/>
               <a:defRPr/>
             </a:lvl1pPr>
@@ -5458,7 +5840,7 @@
           </a:bodyPr>
           <a:lstStyle/>
           <a:p>
-            <a:pPr lvl="0">
+            <a:pPr indent="0" lvl="0" marL="0">
               <a:spcBef>
                 <a:spcPts val="0"/>
               </a:spcBef>
@@ -5531,7 +5913,7 @@
               <a:spcBef>
                 <a:spcPts val="0"/>
               </a:spcBef>
-              <a:buSzPct val="100000"/>
+              <a:buSzPts val="2800"/>
               <a:buFont typeface="Raleway"/>
               <a:buNone/>
               <a:defRPr b="1" sz="2800">
@@ -5545,7 +5927,7 @@
               <a:spcBef>
                 <a:spcPts val="0"/>
               </a:spcBef>
-              <a:buSzPct val="100000"/>
+              <a:buSzPts val="2800"/>
               <a:buFont typeface="Raleway"/>
               <a:buNone/>
               <a:defRPr b="1" sz="2800">
@@ -5559,7 +5941,7 @@
               <a:spcBef>
                 <a:spcPts val="0"/>
               </a:spcBef>
-              <a:buSzPct val="100000"/>
+              <a:buSzPts val="2800"/>
               <a:buFont typeface="Raleway"/>
               <a:buNone/>
               <a:defRPr b="1" sz="2800">
@@ -5573,7 +5955,7 @@
               <a:spcBef>
                 <a:spcPts val="0"/>
               </a:spcBef>
-              <a:buSzPct val="100000"/>
+              <a:buSzPts val="2800"/>
               <a:buFont typeface="Raleway"/>
               <a:buNone/>
               <a:defRPr b="1" sz="2800">
@@ -5587,7 +5969,7 @@
               <a:spcBef>
                 <a:spcPts val="0"/>
               </a:spcBef>
-              <a:buSzPct val="100000"/>
+              <a:buSzPts val="2800"/>
               <a:buFont typeface="Raleway"/>
               <a:buNone/>
               <a:defRPr b="1" sz="2800">
@@ -5601,7 +5983,7 @@
               <a:spcBef>
                 <a:spcPts val="0"/>
               </a:spcBef>
-              <a:buSzPct val="100000"/>
+              <a:buSzPts val="2800"/>
               <a:buFont typeface="Raleway"/>
               <a:buNone/>
               <a:defRPr b="1" sz="2800">
@@ -5615,7 +5997,7 @@
               <a:spcBef>
                 <a:spcPts val="0"/>
               </a:spcBef>
-              <a:buSzPct val="100000"/>
+              <a:buSzPts val="2800"/>
               <a:buFont typeface="Raleway"/>
               <a:buNone/>
               <a:defRPr b="1" sz="2800">
@@ -5629,7 +6011,7 @@
               <a:spcBef>
                 <a:spcPts val="0"/>
               </a:spcBef>
-              <a:buSzPct val="100000"/>
+              <a:buSzPts val="2800"/>
               <a:buFont typeface="Raleway"/>
               <a:buNone/>
               <a:defRPr b="1" sz="2800">
@@ -5643,7 +6025,7 @@
               <a:spcBef>
                 <a:spcPts val="0"/>
               </a:spcBef>
-              <a:buSzPct val="100000"/>
+              <a:buSzPts val="2800"/>
               <a:buFont typeface="Raleway"/>
               <a:buNone/>
               <a:defRPr b="1" sz="2800">
@@ -5694,7 +6076,7 @@
               <a:buClr>
                 <a:schemeClr val="accent1"/>
               </a:buClr>
-              <a:buSzPct val="100000"/>
+              <a:buSzPts val="1300"/>
               <a:buFont typeface="Lato"/>
               <a:buChar char="●"/>
               <a:defRPr sz="1300">
@@ -5720,7 +6102,7 @@
               <a:buClr>
                 <a:schemeClr val="accent1"/>
               </a:buClr>
-              <a:buSzPct val="100000"/>
+              <a:buSzPts val="1100"/>
               <a:buFont typeface="Lato"/>
               <a:buChar char="○"/>
               <a:defRPr sz="1100">
@@ -5746,7 +6128,7 @@
               <a:buClr>
                 <a:schemeClr val="accent1"/>
               </a:buClr>
-              <a:buSzPct val="100000"/>
+              <a:buSzPts val="1100"/>
               <a:buFont typeface="Lato"/>
               <a:buChar char="■"/>
               <a:defRPr sz="1100">
@@ -5772,7 +6154,7 @@
               <a:buClr>
                 <a:schemeClr val="accent1"/>
               </a:buClr>
-              <a:buSzPct val="100000"/>
+              <a:buSzPts val="1100"/>
               <a:buFont typeface="Lato"/>
               <a:buChar char="●"/>
               <a:defRPr sz="1100">
@@ -5798,7 +6180,7 @@
               <a:buClr>
                 <a:schemeClr val="accent1"/>
               </a:buClr>
-              <a:buSzPct val="100000"/>
+              <a:buSzPts val="1100"/>
               <a:buFont typeface="Lato"/>
               <a:buChar char="○"/>
               <a:defRPr sz="1100">
@@ -5824,7 +6206,7 @@
               <a:buClr>
                 <a:schemeClr val="accent1"/>
               </a:buClr>
-              <a:buSzPct val="100000"/>
+              <a:buSzPts val="1100"/>
               <a:buFont typeface="Lato"/>
               <a:buChar char="■"/>
               <a:defRPr sz="1100">
@@ -5850,7 +6232,7 @@
               <a:buClr>
                 <a:schemeClr val="accent1"/>
               </a:buClr>
-              <a:buSzPct val="100000"/>
+              <a:buSzPts val="1100"/>
               <a:buFont typeface="Lato"/>
               <a:buChar char="●"/>
               <a:defRPr sz="1100">
@@ -5876,7 +6258,7 @@
               <a:buClr>
                 <a:schemeClr val="accent1"/>
               </a:buClr>
-              <a:buSzPct val="100000"/>
+              <a:buSzPts val="1100"/>
               <a:buFont typeface="Lato"/>
               <a:buChar char="○"/>
               <a:defRPr sz="1100">
@@ -5902,7 +6284,7 @@
               <a:buClr>
                 <a:schemeClr val="accent1"/>
               </a:buClr>
-              <a:buSzPct val="100000"/>
+              <a:buSzPts val="1100"/>
               <a:buFont typeface="Lato"/>
               <a:buChar char="■"/>
               <a:defRPr sz="1100">
@@ -5946,7 +6328,7 @@
           </a:bodyPr>
           <a:lstStyle/>
           <a:p>
-            <a:pPr lvl="0" algn="r">
+            <a:pPr indent="0" lvl="0" marL="0" algn="r">
               <a:spcBef>
                 <a:spcPts val="0"/>
               </a:spcBef>
@@ -6467,7 +6849,7 @@
           </a:bodyPr>
           <a:lstStyle/>
           <a:p>
-            <a:pPr lvl="0">
+            <a:pPr indent="0" lvl="0" marL="0">
               <a:spcBef>
                 <a:spcPts val="0"/>
               </a:spcBef>
@@ -6503,7 +6885,7 @@
           </a:bodyPr>
           <a:lstStyle/>
           <a:p>
-            <a:pPr lvl="0">
+            <a:pPr indent="0" lvl="0" marL="0">
               <a:spcBef>
                 <a:spcPts val="0"/>
               </a:spcBef>
@@ -6564,7 +6946,7 @@
           </a:bodyPr>
           <a:lstStyle/>
           <a:p>
-            <a:pPr lvl="0">
+            <a:pPr indent="0" lvl="0" marL="0">
               <a:spcBef>
                 <a:spcPts val="0"/>
               </a:spcBef>
@@ -6572,7 +6954,7 @@
             </a:pPr>
             <a:r>
               <a:rPr lang="en"/>
-              <a:t>Citations</a:t>
+              <a:t>Results of the solution</a:t>
             </a:r>
           </a:p>
         </p:txBody>
@@ -6600,264 +6982,65 @@
           </a:bodyPr>
           <a:lstStyle/>
           <a:p>
-            <a:pPr lvl="0" rtl="0">
-              <a:lnSpc>
-                <a:spcPct val="100000"/>
-              </a:lnSpc>
-              <a:spcBef>
-                <a:spcPts val="0"/>
-              </a:spcBef>
-              <a:spcAft>
-                <a:spcPts val="0"/>
-              </a:spcAft>
-              <a:buNone/>
-            </a:pPr>
-            <a:r>
-              <a:rPr lang="en" sz="1100">
-                <a:solidFill>
-                  <a:srgbClr val="434343"/>
-                </a:solidFill>
-              </a:rPr>
-              <a:t>Brezillon, Patrick. “Context in Artificial Intelligence: I. A Survey of the Literature.” </a:t>
-            </a:r>
-            <a:r>
-              <a:rPr i="1" lang="en" sz="1100">
-                <a:solidFill>
-                  <a:srgbClr val="434343"/>
-                </a:solidFill>
-              </a:rPr>
-              <a:t>Advances in Applied Artificial Intelligence Lecture Notes in Computer Science</a:t>
-            </a:r>
-            <a:r>
-              <a:rPr lang="en" sz="1100">
-                <a:solidFill>
-                  <a:srgbClr val="434343"/>
-                </a:solidFill>
-              </a:rPr>
-              <a:t>, 2006, www.researchgate.net/profile/Patrick_Brezillon/publication/220106390_Context_in_Artificial_Intelligence_I_A_Survey_of_the_Literature/links/0fcfd50cb6dbdeb89f000000.pdf.</a:t>
-            </a:r>
-          </a:p>
-          <a:p>
-            <a:pPr lvl="0">
-              <a:lnSpc>
-                <a:spcPct val="100000"/>
-              </a:lnSpc>
-              <a:spcBef>
-                <a:spcPts val="0"/>
-              </a:spcBef>
-              <a:spcAft>
-                <a:spcPts val="0"/>
-              </a:spcAft>
-              <a:buClr>
-                <a:schemeClr val="dk1"/>
-              </a:buClr>
-              <a:buSzPct val="100000"/>
-              <a:buFont typeface="Arial"/>
-              <a:buNone/>
-            </a:pPr>
-            <a:r>
-              <a:t/>
-            </a:r>
-            <a:endParaRPr sz="1100">
-              <a:solidFill>
-                <a:srgbClr val="434343"/>
-              </a:solidFill>
-            </a:endParaRPr>
-          </a:p>
-          <a:p>
-            <a:pPr lvl="0" rtl="0">
-              <a:lnSpc>
-                <a:spcPct val="100000"/>
-              </a:lnSpc>
-              <a:spcBef>
-                <a:spcPts val="0"/>
-              </a:spcBef>
-              <a:spcAft>
-                <a:spcPts val="0"/>
-              </a:spcAft>
-              <a:buNone/>
-            </a:pPr>
-            <a:r>
-              <a:rPr lang="en" sz="1100">
-                <a:solidFill>
-                  <a:srgbClr val="434343"/>
-                </a:solidFill>
-              </a:rPr>
-              <a:t>Christensen, Andrea. “Researchers Use Wikipedia to Give AI Context Clues.” </a:t>
-            </a:r>
-            <a:r>
-              <a:rPr i="1" lang="en" sz="1100">
-                <a:solidFill>
-                  <a:srgbClr val="434343"/>
-                </a:solidFill>
-              </a:rPr>
-              <a:t>Brigham Young University</a:t>
-            </a:r>
-            <a:r>
-              <a:rPr lang="en" sz="1100">
-                <a:solidFill>
-                  <a:srgbClr val="434343"/>
-                </a:solidFill>
-              </a:rPr>
-              <a:t>, 26 Sept. 2017, news.byu.edu/news/researchers-use-wikipedia-give-ai-context-clues.</a:t>
-            </a:r>
-          </a:p>
-          <a:p>
-            <a:pPr lvl="0">
-              <a:lnSpc>
-                <a:spcPct val="100000"/>
-              </a:lnSpc>
-              <a:spcBef>
-                <a:spcPts val="0"/>
-              </a:spcBef>
-              <a:spcAft>
-                <a:spcPts val="0"/>
-              </a:spcAft>
-              <a:buClr>
-                <a:schemeClr val="dk1"/>
-              </a:buClr>
-              <a:buSzPct val="100000"/>
-              <a:buFont typeface="Arial"/>
-              <a:buNone/>
-            </a:pPr>
-            <a:r>
-              <a:t/>
-            </a:r>
-            <a:endParaRPr sz="1100">
-              <a:solidFill>
-                <a:srgbClr val="434343"/>
-              </a:solidFill>
-            </a:endParaRPr>
-          </a:p>
-          <a:p>
-            <a:pPr lvl="0" rtl="0">
-              <a:lnSpc>
-                <a:spcPct val="100000"/>
-              </a:lnSpc>
-              <a:spcBef>
-                <a:spcPts val="0"/>
-              </a:spcBef>
-              <a:spcAft>
-                <a:spcPts val="0"/>
-              </a:spcAft>
-              <a:buNone/>
-            </a:pPr>
-            <a:r>
-              <a:rPr lang="en" sz="1100">
-                <a:solidFill>
-                  <a:srgbClr val="434343"/>
-                </a:solidFill>
-              </a:rPr>
-              <a:t>Frantz, Roger. “Herbert Simon. Artificial Intelligence as a Framework for Understanding Intuition.” </a:t>
-            </a:r>
-            <a:r>
-              <a:rPr i="1" lang="en" sz="1100">
-                <a:solidFill>
-                  <a:srgbClr val="434343"/>
-                </a:solidFill>
-              </a:rPr>
-              <a:t>Journal of Economic Psychology</a:t>
-            </a:r>
-            <a:r>
-              <a:rPr lang="en" sz="1100">
-                <a:solidFill>
-                  <a:srgbClr val="434343"/>
-                </a:solidFill>
-              </a:rPr>
-              <a:t>, North-Holland, 19 Feb. 2003, www.sciencedirect.com/science/article/pii/S0167487002002076.</a:t>
-            </a:r>
-          </a:p>
-          <a:p>
-            <a:pPr lvl="0">
-              <a:lnSpc>
-                <a:spcPct val="100000"/>
-              </a:lnSpc>
-              <a:spcBef>
-                <a:spcPts val="0"/>
-              </a:spcBef>
-              <a:spcAft>
-                <a:spcPts val="0"/>
-              </a:spcAft>
-              <a:buClr>
-                <a:schemeClr val="dk1"/>
-              </a:buClr>
-              <a:buSzPct val="100000"/>
-              <a:buFont typeface="Arial"/>
-              <a:buNone/>
-            </a:pPr>
-            <a:r>
-              <a:t/>
-            </a:r>
-            <a:endParaRPr sz="1100">
-              <a:solidFill>
-                <a:srgbClr val="434343"/>
-              </a:solidFill>
-            </a:endParaRPr>
-          </a:p>
-          <a:p>
-            <a:pPr lvl="0">
-              <a:lnSpc>
-                <a:spcPct val="100000"/>
-              </a:lnSpc>
-              <a:spcBef>
-                <a:spcPts val="0"/>
-              </a:spcBef>
-              <a:spcAft>
-                <a:spcPts val="0"/>
-              </a:spcAft>
-              <a:buClr>
-                <a:schemeClr val="dk1"/>
-              </a:buClr>
-              <a:buSzPct val="100000"/>
-              <a:buFont typeface="Arial"/>
-              <a:buNone/>
-            </a:pPr>
-            <a:r>
-              <a:rPr lang="en" sz="1100">
-                <a:solidFill>
-                  <a:srgbClr val="434343"/>
-                </a:solidFill>
-              </a:rPr>
-              <a:t>Sloman, Aaron. “Interactions between Philosophy and Artificial Intelligence: The Role of Intuition and Non-Logical Reasoning in Intelligence.” </a:t>
-            </a:r>
-            <a:r>
-              <a:rPr i="1" lang="en" sz="1100">
-                <a:solidFill>
-                  <a:srgbClr val="434343"/>
-                </a:solidFill>
-              </a:rPr>
-              <a:t>Artificial Intelligence</a:t>
-            </a:r>
-            <a:r>
-              <a:rPr lang="en" sz="1100">
-                <a:solidFill>
-                  <a:srgbClr val="434343"/>
-                </a:solidFill>
-              </a:rPr>
-              <a:t>, Elsevier, 21 Feb. 2003, www.sciencedirect.com/science/article/pii/0004370271900117.</a:t>
-            </a:r>
-          </a:p>
-          <a:p>
-            <a:pPr lvl="0">
-              <a:lnSpc>
-                <a:spcPct val="100000"/>
-              </a:lnSpc>
-              <a:spcBef>
-                <a:spcPts val="0"/>
-              </a:spcBef>
-              <a:spcAft>
-                <a:spcPts val="0"/>
-              </a:spcAft>
-              <a:buNone/>
-            </a:pPr>
-            <a:r>
-              <a:t/>
-            </a:r>
-            <a:endParaRPr>
-              <a:solidFill>
-                <a:srgbClr val="434343"/>
-              </a:solidFill>
-            </a:endParaRPr>
+            <a:pPr indent="-311150" lvl="0" marL="457200" rtl="0">
+              <a:spcBef>
+                <a:spcPts val="0"/>
+              </a:spcBef>
+              <a:spcAft>
+                <a:spcPts val="0"/>
+              </a:spcAft>
+              <a:buSzPts val="1300"/>
+              <a:buChar char="●"/>
+            </a:pPr>
+            <a:r>
+              <a:rPr lang="en"/>
+              <a:t>BYU Researchers improve performance</a:t>
+            </a:r>
+          </a:p>
+          <a:p>
+            <a:pPr indent="-298450" lvl="1" marL="914400" rtl="0">
+              <a:spcBef>
+                <a:spcPts val="0"/>
+              </a:spcBef>
+              <a:spcAft>
+                <a:spcPts val="0"/>
+              </a:spcAft>
+              <a:buSzPts val="1100"/>
+              <a:buChar char="○"/>
+            </a:pPr>
+            <a:r>
+              <a:rPr lang="en"/>
+              <a:t>For an unstructured text game where machines have to respond to textual input, improved performance on 12/16 games</a:t>
+            </a:r>
+          </a:p>
+          <a:p>
+            <a:pPr indent="-298450" lvl="1" marL="914400" rtl="0">
+              <a:spcBef>
+                <a:spcPts val="0"/>
+              </a:spcBef>
+              <a:spcAft>
+                <a:spcPts val="0"/>
+              </a:spcAft>
+              <a:buSzPts val="1100"/>
+              <a:buChar char="○"/>
+            </a:pPr>
+            <a:r>
+              <a:rPr lang="en"/>
+              <a:t>This improvement was from understanding relationships between objects alone</a:t>
+            </a:r>
+          </a:p>
+          <a:p>
+            <a:pPr indent="-298450" lvl="1" marL="914400">
+              <a:spcBef>
+                <a:spcPts val="0"/>
+              </a:spcBef>
+              <a:buSzPts val="1100"/>
+              <a:buChar char="○"/>
+            </a:pPr>
+            <a:r>
+              <a:rPr lang="en"/>
+              <a:t>Other improvements could include grammar, speaking conventions, etc</a:t>
+            </a:r>
           </a:p>
         </p:txBody>
       </p:sp>
@@ -6909,7 +7092,7 @@
           </a:bodyPr>
           <a:lstStyle/>
           <a:p>
-            <a:pPr lvl="0">
+            <a:pPr indent="0" lvl="0" marL="0">
               <a:spcBef>
                 <a:spcPts val="0"/>
               </a:spcBef>
@@ -6917,7 +7100,7 @@
             </a:pPr>
             <a:r>
               <a:rPr lang="en"/>
-              <a:t>Questions?</a:t>
+              <a:t>Future Applications</a:t>
             </a:r>
           </a:p>
         </p:txBody>
@@ -6945,7 +7128,594 @@
           </a:bodyPr>
           <a:lstStyle/>
           <a:p>
-            <a:pPr lvl="0">
+            <a:pPr indent="-311150" lvl="0" marL="457200" rtl="0">
+              <a:spcBef>
+                <a:spcPts val="0"/>
+              </a:spcBef>
+              <a:spcAft>
+                <a:spcPts val="0"/>
+              </a:spcAft>
+              <a:buSzPts val="1300"/>
+              <a:buChar char="●"/>
+            </a:pPr>
+            <a:r>
+              <a:rPr lang="en"/>
+              <a:t>Basic Knowledge</a:t>
+            </a:r>
+          </a:p>
+          <a:p>
+            <a:pPr indent="-298450" lvl="1" marL="914400" rtl="0">
+              <a:spcBef>
+                <a:spcPts val="0"/>
+              </a:spcBef>
+              <a:spcAft>
+                <a:spcPts val="0"/>
+              </a:spcAft>
+              <a:buSzPts val="1100"/>
+              <a:buChar char="○"/>
+            </a:pPr>
+            <a:r>
+              <a:rPr lang="en"/>
+              <a:t>Need machines to be capable of a variety of tasks if integrated in consumer environment</a:t>
+            </a:r>
+          </a:p>
+          <a:p>
+            <a:pPr indent="-298450" lvl="1" marL="914400" rtl="0">
+              <a:spcBef>
+                <a:spcPts val="0"/>
+              </a:spcBef>
+              <a:spcAft>
+                <a:spcPts val="0"/>
+              </a:spcAft>
+              <a:buSzPts val="1100"/>
+              <a:buChar char="○"/>
+            </a:pPr>
+            <a:r>
+              <a:rPr lang="en"/>
+              <a:t>Must understand how to not break things</a:t>
+            </a:r>
+          </a:p>
+          <a:p>
+            <a:pPr indent="-298450" lvl="1" marL="914400" rtl="0">
+              <a:spcBef>
+                <a:spcPts val="0"/>
+              </a:spcBef>
+              <a:spcAft>
+                <a:spcPts val="0"/>
+              </a:spcAft>
+              <a:buSzPts val="1100"/>
+              <a:buChar char="○"/>
+            </a:pPr>
+            <a:r>
+              <a:rPr lang="en"/>
+              <a:t>Must not break itself</a:t>
+            </a:r>
+          </a:p>
+          <a:p>
+            <a:pPr indent="-311150" lvl="0" marL="457200" rtl="0">
+              <a:spcBef>
+                <a:spcPts val="0"/>
+              </a:spcBef>
+              <a:spcAft>
+                <a:spcPts val="0"/>
+              </a:spcAft>
+              <a:buSzPts val="1300"/>
+              <a:buChar char="●"/>
+            </a:pPr>
+            <a:r>
+              <a:rPr lang="en"/>
+              <a:t>Context Filtering</a:t>
+            </a:r>
+          </a:p>
+          <a:p>
+            <a:pPr indent="-298450" lvl="1" marL="914400" rtl="0">
+              <a:spcBef>
+                <a:spcPts val="0"/>
+              </a:spcBef>
+              <a:spcAft>
+                <a:spcPts val="0"/>
+              </a:spcAft>
+              <a:buSzPts val="1100"/>
+              <a:buChar char="○"/>
+            </a:pPr>
+            <a:r>
+              <a:rPr lang="en"/>
+              <a:t>AI figure out solutions for unseen problems</a:t>
+            </a:r>
+          </a:p>
+          <a:p>
+            <a:pPr indent="-298450" lvl="1" marL="914400" rtl="0">
+              <a:spcBef>
+                <a:spcPts val="0"/>
+              </a:spcBef>
+              <a:spcAft>
+                <a:spcPts val="0"/>
+              </a:spcAft>
+              <a:buSzPts val="1100"/>
+              <a:buChar char="○"/>
+            </a:pPr>
+            <a:r>
+              <a:rPr lang="en"/>
+              <a:t>Performance in unstructured environments</a:t>
+            </a:r>
+          </a:p>
+          <a:p>
+            <a:pPr indent="-311150" lvl="0" marL="457200" rtl="0">
+              <a:spcBef>
+                <a:spcPts val="0"/>
+              </a:spcBef>
+              <a:spcAft>
+                <a:spcPts val="0"/>
+              </a:spcAft>
+              <a:buSzPts val="1300"/>
+              <a:buChar char="●"/>
+            </a:pPr>
+            <a:r>
+              <a:rPr lang="en"/>
+              <a:t>Language, Object Relationships</a:t>
+            </a:r>
+          </a:p>
+          <a:p>
+            <a:pPr indent="-298450" lvl="1" marL="914400" rtl="0">
+              <a:spcBef>
+                <a:spcPts val="0"/>
+              </a:spcBef>
+              <a:spcAft>
+                <a:spcPts val="0"/>
+              </a:spcAft>
+              <a:buSzPts val="1100"/>
+              <a:buChar char="○"/>
+            </a:pPr>
+            <a:r>
+              <a:rPr lang="en"/>
+              <a:t>Easy, convenient format to communicate to machines</a:t>
+            </a:r>
+          </a:p>
+          <a:p>
+            <a:pPr indent="-298450" lvl="1" marL="914400" rtl="0">
+              <a:spcBef>
+                <a:spcPts val="0"/>
+              </a:spcBef>
+              <a:buSzPts val="1100"/>
+              <a:buChar char="○"/>
+            </a:pPr>
+            <a:r>
+              <a:rPr lang="en"/>
+              <a:t>NLP</a:t>
+            </a:r>
+          </a:p>
+        </p:txBody>
+      </p:sp>
+    </p:spTree>
+  </p:cSld>
+  <p:clrMapOvr>
+    <a:masterClrMapping/>
+  </p:clrMapOvr>
+</p:sld>
+</file>
+
+<file path=ppt/slides/slide12.xml><?xml version="1.0" encoding="utf-8"?>
+<p:sld xmlns:a="http://schemas.openxmlformats.org/drawingml/2006/main" xmlns:r="http://schemas.openxmlformats.org/officeDocument/2006/relationships" xmlns:mc="http://schemas.openxmlformats.org/markup-compatibility/2006" xmlns:mv="urn:schemas-microsoft-com:mac:vml" xmlns:p="http://schemas.openxmlformats.org/presentationml/2006/main" xmlns:c="http://schemas.openxmlformats.org/drawingml/2006/chart" xmlns:dgm="http://schemas.openxmlformats.org/drawingml/2006/diagram" xmlns:o="urn:schemas-microsoft-com:office:office" xmlns:v="urn:schemas-microsoft-com:vml" xmlns:pvml="urn:schemas-microsoft-com:office:powerpoint" xmlns:com="http://schemas.openxmlformats.org/drawingml/2006/compatibility" xmlns:p14="http://schemas.microsoft.com/office/powerpoint/2010/main" xmlns:p15="http://schemas.microsoft.com/office/powerpoint/2012/main">
+  <p:cSld>
+    <p:spTree>
+      <p:nvGrpSpPr>
+        <p:cNvPr id="152" name="Shape 152"/>
+        <p:cNvGrpSpPr/>
+        <p:nvPr/>
+      </p:nvGrpSpPr>
+      <p:grpSpPr>
+        <a:xfrm>
+          <a:off x="0" y="0"/>
+          <a:ext cx="0" cy="0"/>
+          <a:chOff x="0" y="0"/>
+          <a:chExt cx="0" cy="0"/>
+        </a:xfrm>
+      </p:grpSpPr>
+      <p:sp>
+        <p:nvSpPr>
+          <p:cNvPr id="153" name="Shape 153"/>
+          <p:cNvSpPr txBox="1"/>
+          <p:nvPr>
+            <p:ph type="title"/>
+          </p:nvPr>
+        </p:nvSpPr>
+        <p:spPr>
+          <a:xfrm>
+            <a:off x="729450" y="1318650"/>
+            <a:ext cx="7688700" cy="535200"/>
+          </a:xfrm>
+          <a:prstGeom prst="rect">
+            <a:avLst/>
+          </a:prstGeom>
+        </p:spPr>
+        <p:txBody>
+          <a:bodyPr anchorCtr="0" anchor="t" bIns="91425" lIns="91425" rIns="91425" wrap="square" tIns="91425">
+            <a:noAutofit/>
+          </a:bodyPr>
+          <a:lstStyle/>
+          <a:p>
+            <a:pPr indent="0" lvl="0" marL="0">
+              <a:spcBef>
+                <a:spcPts val="0"/>
+              </a:spcBef>
+              <a:buNone/>
+            </a:pPr>
+            <a:r>
+              <a:rPr lang="en"/>
+              <a:t>Citations</a:t>
+            </a:r>
+          </a:p>
+        </p:txBody>
+      </p:sp>
+      <p:sp>
+        <p:nvSpPr>
+          <p:cNvPr id="154" name="Shape 154"/>
+          <p:cNvSpPr txBox="1"/>
+          <p:nvPr>
+            <p:ph idx="1" type="body"/>
+          </p:nvPr>
+        </p:nvSpPr>
+        <p:spPr>
+          <a:xfrm>
+            <a:off x="729450" y="2078875"/>
+            <a:ext cx="7688700" cy="2261100"/>
+          </a:xfrm>
+          <a:prstGeom prst="rect">
+            <a:avLst/>
+          </a:prstGeom>
+        </p:spPr>
+        <p:txBody>
+          <a:bodyPr anchorCtr="0" anchor="t" bIns="91425" lIns="91425" rIns="91425" wrap="square" tIns="91425">
+            <a:noAutofit/>
+          </a:bodyPr>
+          <a:lstStyle/>
+          <a:p>
+            <a:pPr indent="0" lvl="0" marL="0" rtl="0">
+              <a:lnSpc>
+                <a:spcPct val="100000"/>
+              </a:lnSpc>
+              <a:spcBef>
+                <a:spcPts val="0"/>
+              </a:spcBef>
+              <a:spcAft>
+                <a:spcPts val="0"/>
+              </a:spcAft>
+              <a:buNone/>
+            </a:pPr>
+            <a:r>
+              <a:rPr lang="en" sz="1100">
+                <a:solidFill>
+                  <a:srgbClr val="434343"/>
+                </a:solidFill>
+              </a:rPr>
+              <a:t>Brezillon, Patrick. “Context in Artificial Intelligence: I. A Survey of the Literature.” </a:t>
+            </a:r>
+            <a:r>
+              <a:rPr i="1" lang="en" sz="1100">
+                <a:solidFill>
+                  <a:srgbClr val="434343"/>
+                </a:solidFill>
+              </a:rPr>
+              <a:t>Advances in Applied Artificial Intelligence Lecture Notes in Computer Science</a:t>
+            </a:r>
+            <a:r>
+              <a:rPr lang="en" sz="1100">
+                <a:solidFill>
+                  <a:srgbClr val="434343"/>
+                </a:solidFill>
+              </a:rPr>
+              <a:t>, 2006, www.researchgate.net/profile/Patrick_Brezillon/publication/220106390_Context_in_Artificial_Intelligence_I_A_Survey_of_the_Literature/links/0fcfd50cb6dbdeb89f000000.pdf.</a:t>
+            </a:r>
+          </a:p>
+          <a:p>
+            <a:pPr indent="-69850" lvl="0" marL="0">
+              <a:lnSpc>
+                <a:spcPct val="100000"/>
+              </a:lnSpc>
+              <a:spcBef>
+                <a:spcPts val="0"/>
+              </a:spcBef>
+              <a:spcAft>
+                <a:spcPts val="0"/>
+              </a:spcAft>
+              <a:buClr>
+                <a:schemeClr val="dk1"/>
+              </a:buClr>
+              <a:buSzPts val="1100"/>
+              <a:buFont typeface="Arial"/>
+              <a:buNone/>
+            </a:pPr>
+            <a:r>
+              <a:t/>
+            </a:r>
+            <a:endParaRPr sz="1100">
+              <a:solidFill>
+                <a:srgbClr val="434343"/>
+              </a:solidFill>
+            </a:endParaRPr>
+          </a:p>
+          <a:p>
+            <a:pPr indent="0" lvl="0" marL="0" rtl="0">
+              <a:lnSpc>
+                <a:spcPct val="100000"/>
+              </a:lnSpc>
+              <a:spcBef>
+                <a:spcPts val="0"/>
+              </a:spcBef>
+              <a:spcAft>
+                <a:spcPts val="0"/>
+              </a:spcAft>
+              <a:buNone/>
+            </a:pPr>
+            <a:r>
+              <a:rPr lang="en" sz="1100">
+                <a:solidFill>
+                  <a:srgbClr val="434343"/>
+                </a:solidFill>
+              </a:rPr>
+              <a:t>Christensen, Andrea. “Researchers Use Wikipedia to Give AI Context Clues.” </a:t>
+            </a:r>
+            <a:r>
+              <a:rPr i="1" lang="en" sz="1100">
+                <a:solidFill>
+                  <a:srgbClr val="434343"/>
+                </a:solidFill>
+              </a:rPr>
+              <a:t>Brigham Young University</a:t>
+            </a:r>
+            <a:r>
+              <a:rPr lang="en" sz="1100">
+                <a:solidFill>
+                  <a:srgbClr val="434343"/>
+                </a:solidFill>
+              </a:rPr>
+              <a:t>, 26 Sept. 2017, news.byu.edu/news/researchers-use-wikipedia-give-ai-context-clues.</a:t>
+            </a:r>
+          </a:p>
+          <a:p>
+            <a:pPr indent="-69850" lvl="0" marL="0">
+              <a:lnSpc>
+                <a:spcPct val="100000"/>
+              </a:lnSpc>
+              <a:spcBef>
+                <a:spcPts val="0"/>
+              </a:spcBef>
+              <a:spcAft>
+                <a:spcPts val="0"/>
+              </a:spcAft>
+              <a:buClr>
+                <a:schemeClr val="dk1"/>
+              </a:buClr>
+              <a:buSzPts val="1100"/>
+              <a:buFont typeface="Arial"/>
+              <a:buNone/>
+            </a:pPr>
+            <a:r>
+              <a:t/>
+            </a:r>
+            <a:endParaRPr sz="1100">
+              <a:solidFill>
+                <a:srgbClr val="434343"/>
+              </a:solidFill>
+            </a:endParaRPr>
+          </a:p>
+          <a:p>
+            <a:pPr indent="0" lvl="0" marL="0" rtl="0">
+              <a:lnSpc>
+                <a:spcPct val="100000"/>
+              </a:lnSpc>
+              <a:spcBef>
+                <a:spcPts val="0"/>
+              </a:spcBef>
+              <a:spcAft>
+                <a:spcPts val="0"/>
+              </a:spcAft>
+              <a:buNone/>
+            </a:pPr>
+            <a:r>
+              <a:rPr lang="en" sz="1100">
+                <a:solidFill>
+                  <a:srgbClr val="434343"/>
+                </a:solidFill>
+              </a:rPr>
+              <a:t>Frantz, Roger. “Herbert Simon. Artificial Intelligence as a Framework for Understanding Intuition.” </a:t>
+            </a:r>
+            <a:r>
+              <a:rPr i="1" lang="en" sz="1100">
+                <a:solidFill>
+                  <a:srgbClr val="434343"/>
+                </a:solidFill>
+              </a:rPr>
+              <a:t>Journal of Economic Psychology</a:t>
+            </a:r>
+            <a:r>
+              <a:rPr lang="en" sz="1100">
+                <a:solidFill>
+                  <a:srgbClr val="434343"/>
+                </a:solidFill>
+              </a:rPr>
+              <a:t>, North-Holland, 19 Feb. 2003, www.sciencedirect.com/science/article/pii/S0167487002002076.</a:t>
+            </a:r>
+          </a:p>
+          <a:p>
+            <a:pPr indent="-69850" lvl="0" marL="0">
+              <a:lnSpc>
+                <a:spcPct val="100000"/>
+              </a:lnSpc>
+              <a:spcBef>
+                <a:spcPts val="0"/>
+              </a:spcBef>
+              <a:spcAft>
+                <a:spcPts val="0"/>
+              </a:spcAft>
+              <a:buClr>
+                <a:schemeClr val="dk1"/>
+              </a:buClr>
+              <a:buSzPts val="1100"/>
+              <a:buFont typeface="Arial"/>
+              <a:buNone/>
+            </a:pPr>
+            <a:r>
+              <a:t/>
+            </a:r>
+            <a:endParaRPr sz="1100">
+              <a:solidFill>
+                <a:srgbClr val="434343"/>
+              </a:solidFill>
+            </a:endParaRPr>
+          </a:p>
+          <a:p>
+            <a:pPr indent="-69850" lvl="0" marL="0">
+              <a:lnSpc>
+                <a:spcPct val="100000"/>
+              </a:lnSpc>
+              <a:spcBef>
+                <a:spcPts val="0"/>
+              </a:spcBef>
+              <a:spcAft>
+                <a:spcPts val="0"/>
+              </a:spcAft>
+              <a:buClr>
+                <a:schemeClr val="dk1"/>
+              </a:buClr>
+              <a:buSzPts val="1100"/>
+              <a:buFont typeface="Arial"/>
+              <a:buNone/>
+            </a:pPr>
+            <a:r>
+              <a:rPr lang="en" sz="1100">
+                <a:solidFill>
+                  <a:srgbClr val="434343"/>
+                </a:solidFill>
+              </a:rPr>
+              <a:t>Sloman, Aaron. “Interactions between Philosophy and Artificial Intelligence: The Role of Intuition and Non-Logical Reasoning in Intelligence.” </a:t>
+            </a:r>
+            <a:r>
+              <a:rPr i="1" lang="en" sz="1100">
+                <a:solidFill>
+                  <a:srgbClr val="434343"/>
+                </a:solidFill>
+              </a:rPr>
+              <a:t>Artificial Intelligence</a:t>
+            </a:r>
+            <a:r>
+              <a:rPr lang="en" sz="1100">
+                <a:solidFill>
+                  <a:srgbClr val="434343"/>
+                </a:solidFill>
+              </a:rPr>
+              <a:t>, Elsevier, 21 Feb. 2003, www.sciencedirect.com/science/article/pii/0004370271900117.</a:t>
+            </a:r>
+          </a:p>
+          <a:p>
+            <a:pPr indent="0" lvl="0" marL="0">
+              <a:lnSpc>
+                <a:spcPct val="100000"/>
+              </a:lnSpc>
+              <a:spcBef>
+                <a:spcPts val="0"/>
+              </a:spcBef>
+              <a:spcAft>
+                <a:spcPts val="0"/>
+              </a:spcAft>
+              <a:buNone/>
+            </a:pPr>
+            <a:r>
+              <a:t/>
+            </a:r>
+            <a:endParaRPr>
+              <a:solidFill>
+                <a:srgbClr val="434343"/>
+              </a:solidFill>
+            </a:endParaRPr>
+          </a:p>
+        </p:txBody>
+      </p:sp>
+    </p:spTree>
+  </p:cSld>
+  <p:clrMapOvr>
+    <a:masterClrMapping/>
+  </p:clrMapOvr>
+</p:sld>
+</file>
+
+<file path=ppt/slides/slide13.xml><?xml version="1.0" encoding="utf-8"?>
+<p:sld xmlns:a="http://schemas.openxmlformats.org/drawingml/2006/main" xmlns:r="http://schemas.openxmlformats.org/officeDocument/2006/relationships" xmlns:mc="http://schemas.openxmlformats.org/markup-compatibility/2006" xmlns:mv="urn:schemas-microsoft-com:mac:vml" xmlns:p="http://schemas.openxmlformats.org/presentationml/2006/main" xmlns:c="http://schemas.openxmlformats.org/drawingml/2006/chart" xmlns:dgm="http://schemas.openxmlformats.org/drawingml/2006/diagram" xmlns:o="urn:schemas-microsoft-com:office:office" xmlns:v="urn:schemas-microsoft-com:vml" xmlns:pvml="urn:schemas-microsoft-com:office:powerpoint" xmlns:com="http://schemas.openxmlformats.org/drawingml/2006/compatibility" xmlns:p14="http://schemas.microsoft.com/office/powerpoint/2010/main" xmlns:p15="http://schemas.microsoft.com/office/powerpoint/2012/main">
+  <p:cSld>
+    <p:spTree>
+      <p:nvGrpSpPr>
+        <p:cNvPr id="158" name="Shape 158"/>
+        <p:cNvGrpSpPr/>
+        <p:nvPr/>
+      </p:nvGrpSpPr>
+      <p:grpSpPr>
+        <a:xfrm>
+          <a:off x="0" y="0"/>
+          <a:ext cx="0" cy="0"/>
+          <a:chOff x="0" y="0"/>
+          <a:chExt cx="0" cy="0"/>
+        </a:xfrm>
+      </p:grpSpPr>
+      <p:sp>
+        <p:nvSpPr>
+          <p:cNvPr id="159" name="Shape 159"/>
+          <p:cNvSpPr txBox="1"/>
+          <p:nvPr>
+            <p:ph type="title"/>
+          </p:nvPr>
+        </p:nvSpPr>
+        <p:spPr>
+          <a:xfrm>
+            <a:off x="729450" y="1318650"/>
+            <a:ext cx="7688700" cy="535200"/>
+          </a:xfrm>
+          <a:prstGeom prst="rect">
+            <a:avLst/>
+          </a:prstGeom>
+        </p:spPr>
+        <p:txBody>
+          <a:bodyPr anchorCtr="0" anchor="t" bIns="91425" lIns="91425" rIns="91425" wrap="square" tIns="91425">
+            <a:noAutofit/>
+          </a:bodyPr>
+          <a:lstStyle/>
+          <a:p>
+            <a:pPr indent="0" lvl="0" marL="0">
+              <a:spcBef>
+                <a:spcPts val="0"/>
+              </a:spcBef>
+              <a:buNone/>
+            </a:pPr>
+            <a:r>
+              <a:rPr lang="en"/>
+              <a:t>Questions?</a:t>
+            </a:r>
+          </a:p>
+        </p:txBody>
+      </p:sp>
+      <p:sp>
+        <p:nvSpPr>
+          <p:cNvPr id="160" name="Shape 160"/>
+          <p:cNvSpPr txBox="1"/>
+          <p:nvPr>
+            <p:ph idx="1" type="body"/>
+          </p:nvPr>
+        </p:nvSpPr>
+        <p:spPr>
+          <a:xfrm>
+            <a:off x="729450" y="2078875"/>
+            <a:ext cx="7688700" cy="2261100"/>
+          </a:xfrm>
+          <a:prstGeom prst="rect">
+            <a:avLst/>
+          </a:prstGeom>
+        </p:spPr>
+        <p:txBody>
+          <a:bodyPr anchorCtr="0" anchor="t" bIns="91425" lIns="91425" rIns="91425" wrap="square" tIns="91425">
+            <a:noAutofit/>
+          </a:bodyPr>
+          <a:lstStyle/>
+          <a:p>
+            <a:pPr indent="0" lvl="0" marL="0">
               <a:spcBef>
                 <a:spcPts val="0"/>
               </a:spcBef>
@@ -7006,7 +7776,7 @@
           </a:bodyPr>
           <a:lstStyle/>
           <a:p>
-            <a:pPr lvl="0">
+            <a:pPr indent="0" lvl="0" marL="0">
               <a:spcBef>
                 <a:spcPts val="0"/>
               </a:spcBef>
@@ -7014,7 +7784,7 @@
             </a:pPr>
             <a:r>
               <a:rPr lang="en"/>
-              <a:t>Basic Knowledge Problem</a:t>
+              <a:t>Overview</a:t>
             </a:r>
           </a:p>
         </p:txBody>
@@ -7049,56 +7819,60 @@
               <a:spcAft>
                 <a:spcPts val="0"/>
               </a:spcAft>
-              <a:buSzPct val="100000"/>
+              <a:buSzPts val="1300"/>
+              <a:buChar char="●"/>
             </a:pPr>
             <a:r>
               <a:rPr lang="en"/>
-              <a:t>Ask a robot to bring you a cup</a:t>
-            </a:r>
-          </a:p>
-          <a:p>
-            <a:pPr indent="-298450" lvl="1" marL="914400" rtl="0">
-              <a:spcBef>
-                <a:spcPts val="0"/>
-              </a:spcBef>
-              <a:spcAft>
-                <a:spcPts val="0"/>
-              </a:spcAft>
-              <a:buSzPct val="100000"/>
+              <a:t>Basic Problem</a:t>
+            </a:r>
+          </a:p>
+          <a:p>
+            <a:pPr indent="-311150" lvl="0" marL="457200" rtl="0">
+              <a:spcBef>
+                <a:spcPts val="0"/>
+              </a:spcBef>
+              <a:spcAft>
+                <a:spcPts val="0"/>
+              </a:spcAft>
+              <a:buSzPts val="1300"/>
+              <a:buChar char="●"/>
             </a:pPr>
             <a:r>
               <a:rPr lang="en"/>
-              <a:t>It doesn't know how to find, pick up, transport etc.</a:t>
-            </a:r>
-          </a:p>
-          <a:p>
-            <a:pPr indent="-298450" lvl="1" marL="914400" rtl="0">
-              <a:spcBef>
-                <a:spcPts val="0"/>
-              </a:spcBef>
-              <a:spcAft>
-                <a:spcPts val="0"/>
-              </a:spcAft>
-              <a:buSzPct val="100000"/>
+              <a:t>Visual Cues</a:t>
+            </a:r>
+          </a:p>
+          <a:p>
+            <a:pPr indent="-311150" lvl="0" marL="457200" rtl="0">
+              <a:spcBef>
+                <a:spcPts val="0"/>
+              </a:spcBef>
+              <a:spcAft>
+                <a:spcPts val="0"/>
+              </a:spcAft>
+              <a:buSzPts val="1300"/>
+              <a:buChar char="●"/>
             </a:pPr>
             <a:r>
               <a:rPr lang="en"/>
-              <a:t>Might break the cup or break itself</a:t>
-            </a:r>
-          </a:p>
-          <a:p>
-            <a:pPr indent="-298450" lvl="1" marL="914400" rtl="0">
-              <a:spcBef>
-                <a:spcPts val="0"/>
-              </a:spcBef>
-              <a:spcAft>
-                <a:spcPts val="0"/>
-              </a:spcAft>
-              <a:buSzPct val="100000"/>
+              <a:t>Context Filtering</a:t>
+            </a:r>
+          </a:p>
+          <a:p>
+            <a:pPr indent="-311150" lvl="0" marL="457200" rtl="0">
+              <a:spcBef>
+                <a:spcPts val="0"/>
+              </a:spcBef>
+              <a:spcAft>
+                <a:spcPts val="0"/>
+              </a:spcAft>
+              <a:buSzPts val="1300"/>
+              <a:buChar char="●"/>
             </a:pPr>
             <a:r>
               <a:rPr lang="en"/>
-              <a:t>Must be told how to do all of this</a:t>
+              <a:t>AlphaGo as example</a:t>
             </a:r>
           </a:p>
           <a:p>
@@ -7109,68 +7883,73 @@
               <a:spcAft>
                 <a:spcPts val="0"/>
               </a:spcAft>
-              <a:buSzPct val="100000"/>
+              <a:buSzPts val="1300"/>
+              <a:buChar char="●"/>
             </a:pPr>
             <a:r>
               <a:rPr lang="en"/>
-              <a:t>We consider this knowledge trivial</a:t>
-            </a:r>
-          </a:p>
-          <a:p>
-            <a:pPr indent="-298450" lvl="1" marL="914400" rtl="0">
-              <a:spcBef>
-                <a:spcPts val="0"/>
-              </a:spcBef>
-              <a:spcAft>
-                <a:spcPts val="0"/>
-              </a:spcAft>
-              <a:buSzPct val="100000"/>
+              <a:t>Object relationships in Language</a:t>
+            </a:r>
+          </a:p>
+          <a:p>
+            <a:pPr indent="-311150" lvl="0" marL="457200" rtl="0">
+              <a:spcBef>
+                <a:spcPts val="0"/>
+              </a:spcBef>
+              <a:spcAft>
+                <a:spcPts val="0"/>
+              </a:spcAft>
+              <a:buSzPts val="1300"/>
+              <a:buChar char="●"/>
             </a:pPr>
             <a:r>
               <a:rPr lang="en"/>
-              <a:t>Understand how to hold cups, where cups are located, etc.</a:t>
-            </a:r>
-          </a:p>
-          <a:p>
-            <a:pPr indent="-298450" lvl="1" marL="914400" rtl="0">
-              <a:spcBef>
-                <a:spcPts val="0"/>
-              </a:spcBef>
-              <a:spcAft>
-                <a:spcPts val="0"/>
-              </a:spcAft>
-              <a:buSzPct val="100000"/>
+              <a:t>BYU Solution</a:t>
+            </a:r>
+          </a:p>
+          <a:p>
+            <a:pPr indent="-311150" lvl="0" marL="457200" rtl="0">
+              <a:spcBef>
+                <a:spcPts val="0"/>
+              </a:spcBef>
+              <a:spcAft>
+                <a:spcPts val="0"/>
+              </a:spcAft>
+              <a:buSzPts val="1300"/>
+              <a:buChar char="●"/>
             </a:pPr>
             <a:r>
               <a:rPr lang="en"/>
-              <a:t>Humans use this contextual knowledge of objects</a:t>
-            </a:r>
-          </a:p>
-          <a:p>
-            <a:pPr indent="-298450" lvl="1" marL="914400" rtl="0">
-              <a:spcBef>
-                <a:spcPts val="0"/>
-              </a:spcBef>
-              <a:spcAft>
-                <a:spcPts val="0"/>
-              </a:spcAft>
-              <a:buSzPct val="100000"/>
+              <a:t>Future Applications</a:t>
+            </a:r>
+          </a:p>
+          <a:p>
+            <a:pPr indent="-311150" lvl="0" marL="457200" rtl="0">
+              <a:spcBef>
+                <a:spcPts val="0"/>
+              </a:spcBef>
+              <a:spcAft>
+                <a:spcPts val="0"/>
+              </a:spcAft>
+              <a:buSzPts val="1300"/>
+              <a:buChar char="●"/>
             </a:pPr>
             <a:r>
               <a:rPr lang="en"/>
-              <a:t>But robots don't know</a:t>
-            </a:r>
-          </a:p>
-          <a:p>
-            <a:pPr indent="-298450" lvl="1" marL="914400" rtl="0">
-              <a:spcBef>
-                <a:spcPts val="0"/>
-              </a:spcBef>
-              <a:buSzPct val="100000"/>
+              <a:t>Citations</a:t>
+            </a:r>
+          </a:p>
+          <a:p>
+            <a:pPr indent="-311150" lvl="0" marL="457200">
+              <a:spcBef>
+                <a:spcPts val="0"/>
+              </a:spcBef>
+              <a:buSzPts val="1300"/>
+              <a:buChar char="●"/>
             </a:pPr>
             <a:r>
               <a:rPr lang="en"/>
-              <a:t>Must obtain this knowledge somehow</a:t>
+              <a:t>Questions</a:t>
             </a:r>
           </a:p>
         </p:txBody>
@@ -7223,7 +8002,7 @@
           </a:bodyPr>
           <a:lstStyle/>
           <a:p>
-            <a:pPr lvl="0">
+            <a:pPr indent="0" lvl="0" marL="0">
               <a:spcBef>
                 <a:spcPts val="0"/>
               </a:spcBef>
@@ -7266,11 +8045,12 @@
               <a:spcAft>
                 <a:spcPts val="0"/>
               </a:spcAft>
-              <a:buSzPct val="100000"/>
+              <a:buSzPts val="1300"/>
+              <a:buChar char="●"/>
             </a:pPr>
             <a:r>
               <a:rPr lang="en"/>
-              <a:t>DARPA Robot Challenge</a:t>
+              <a:t>Ask a robot to bring you a cup</a:t>
             </a:r>
           </a:p>
           <a:p>
@@ -7281,11 +8061,12 @@
               <a:spcAft>
                 <a:spcPts val="0"/>
               </a:spcAft>
-              <a:buSzPct val="100000"/>
+              <a:buSzPts val="1100"/>
+              <a:buChar char="○"/>
             </a:pPr>
             <a:r>
               <a:rPr lang="en"/>
-              <a:t>Robots can't open doors or walk really</a:t>
+              <a:t>It doesn't know how to find, pick up, transport etc.</a:t>
             </a:r>
           </a:p>
           <a:p>
@@ -7296,16 +8077,28 @@
               <a:spcAft>
                 <a:spcPts val="0"/>
               </a:spcAft>
-              <a:buSzPct val="100000"/>
-            </a:pPr>
-            <a:r>
-              <a:rPr lang="en" u="sng">
-                <a:solidFill>
-                  <a:schemeClr val="hlink"/>
-                </a:solidFill>
-                <a:hlinkClick r:id="rId3"/>
-              </a:rPr>
-              <a:t>https://youtu.be/g0TaYhjpOfo?t=26s</a:t>
+              <a:buSzPts val="1100"/>
+              <a:buChar char="○"/>
+            </a:pPr>
+            <a:r>
+              <a:rPr lang="en"/>
+              <a:t>Might break the cup or break itself</a:t>
+            </a:r>
+          </a:p>
+          <a:p>
+            <a:pPr indent="-298450" lvl="1" marL="914400" rtl="0">
+              <a:spcBef>
+                <a:spcPts val="0"/>
+              </a:spcBef>
+              <a:spcAft>
+                <a:spcPts val="0"/>
+              </a:spcAft>
+              <a:buSzPts val="1100"/>
+              <a:buChar char="○"/>
+            </a:pPr>
+            <a:r>
+              <a:rPr lang="en"/>
+              <a:t>Must be told how to do all of this</a:t>
             </a:r>
           </a:p>
           <a:p>
@@ -7316,23 +8109,73 @@
               <a:spcAft>
                 <a:spcPts val="0"/>
               </a:spcAft>
-              <a:buSzPct val="100000"/>
+              <a:buSzPts val="1300"/>
+              <a:buChar char="●"/>
             </a:pPr>
             <a:r>
               <a:rPr lang="en"/>
-              <a:t>What we consider to be basic is actually fairly difficult</a:t>
-            </a:r>
-          </a:p>
-          <a:p>
-            <a:pPr indent="-298450" lvl="1" marL="914400">
-              <a:spcBef>
-                <a:spcPts val="0"/>
-              </a:spcBef>
-              <a:buSzPct val="100000"/>
-            </a:pPr>
-            <a:r>
-              <a:rPr lang="en" sz="1100"/>
-              <a:t>It's not simple to open a door or walk</a:t>
+              <a:t>We consider this knowledge trivial</a:t>
+            </a:r>
+          </a:p>
+          <a:p>
+            <a:pPr indent="-298450" lvl="1" marL="914400" rtl="0">
+              <a:spcBef>
+                <a:spcPts val="0"/>
+              </a:spcBef>
+              <a:spcAft>
+                <a:spcPts val="0"/>
+              </a:spcAft>
+              <a:buSzPts val="1100"/>
+              <a:buChar char="○"/>
+            </a:pPr>
+            <a:r>
+              <a:rPr lang="en"/>
+              <a:t>Understand how to hold cups, where cups are located, etc.</a:t>
+            </a:r>
+          </a:p>
+          <a:p>
+            <a:pPr indent="-298450" lvl="1" marL="914400" rtl="0">
+              <a:spcBef>
+                <a:spcPts val="0"/>
+              </a:spcBef>
+              <a:spcAft>
+                <a:spcPts val="0"/>
+              </a:spcAft>
+              <a:buSzPts val="1100"/>
+              <a:buChar char="○"/>
+            </a:pPr>
+            <a:r>
+              <a:rPr lang="en"/>
+              <a:t>Humans use this contextual knowledge of objects</a:t>
+            </a:r>
+          </a:p>
+          <a:p>
+            <a:pPr indent="-298450" lvl="1" marL="914400" rtl="0">
+              <a:spcBef>
+                <a:spcPts val="0"/>
+              </a:spcBef>
+              <a:spcAft>
+                <a:spcPts val="0"/>
+              </a:spcAft>
+              <a:buSzPts val="1100"/>
+              <a:buChar char="○"/>
+            </a:pPr>
+            <a:r>
+              <a:rPr lang="en"/>
+              <a:t>But robots don't know</a:t>
+            </a:r>
+          </a:p>
+          <a:p>
+            <a:pPr indent="-298450" lvl="1" marL="914400" rtl="0">
+              <a:spcBef>
+                <a:spcPts val="0"/>
+              </a:spcBef>
+              <a:buSzPts val="1100"/>
+              <a:buChar char="○"/>
+            </a:pPr>
+            <a:r>
+              <a:rPr lang="en"/>
+              <a:t>Must obtain this knowledge somehow</a:t>
             </a:r>
           </a:p>
         </p:txBody>
@@ -7385,7 +8228,7 @@
           </a:bodyPr>
           <a:lstStyle/>
           <a:p>
-            <a:pPr lvl="0">
+            <a:pPr indent="0" lvl="0" marL="0">
               <a:spcBef>
                 <a:spcPts val="0"/>
               </a:spcBef>
@@ -7393,7 +8236,7 @@
             </a:pPr>
             <a:r>
               <a:rPr lang="en"/>
-              <a:t>Context Filtering Problem</a:t>
+              <a:t>Visual Cues</a:t>
             </a:r>
           </a:p>
         </p:txBody>
@@ -7428,11 +8271,12 @@
               <a:spcAft>
                 <a:spcPts val="0"/>
               </a:spcAft>
-              <a:buSzPct val="100000"/>
+              <a:buSzPts val="1300"/>
+              <a:buChar char="●"/>
             </a:pPr>
             <a:r>
               <a:rPr lang="en"/>
-              <a:t>Humans can filter information</a:t>
+              <a:t>When trying to pick up a cup, know what a cup is</a:t>
             </a:r>
           </a:p>
           <a:p>
@@ -7443,11 +8287,28 @@
               <a:spcAft>
                 <a:spcPts val="0"/>
               </a:spcAft>
-              <a:buSzPct val="100000"/>
+              <a:buSzPts val="1100"/>
+              <a:buChar char="○"/>
             </a:pPr>
             <a:r>
               <a:rPr lang="en"/>
-              <a:t>Humans often have some idea of what is likely to work and what is unlikely to work</a:t>
+              <a:t>because know the relative weight of a cup, know how to lift it</a:t>
+            </a:r>
+          </a:p>
+          <a:p>
+            <a:pPr indent="-311150" lvl="0" marL="457200" rtl="0">
+              <a:spcBef>
+                <a:spcPts val="0"/>
+              </a:spcBef>
+              <a:spcAft>
+                <a:spcPts val="0"/>
+              </a:spcAft>
+              <a:buSzPts val="1300"/>
+              <a:buChar char="●"/>
+            </a:pPr>
+            <a:r>
+              <a:rPr lang="en"/>
+              <a:t>Robots often lack many of these cues</a:t>
             </a:r>
           </a:p>
           <a:p>
@@ -7458,11 +8319,28 @@
               <a:spcAft>
                 <a:spcPts val="0"/>
               </a:spcAft>
-              <a:buSzPct val="100000"/>
+              <a:buSzPts val="1100"/>
+              <a:buChar char="○"/>
             </a:pPr>
             <a:r>
               <a:rPr lang="en"/>
-              <a:t>Understand what information is relevant and what variables should be changed</a:t>
+              <a:t>even if they can identify objects, often does not have extensive knowledge of these many objects</a:t>
+            </a:r>
+          </a:p>
+          <a:p>
+            <a:pPr indent="-311150" lvl="0" marL="457200" rtl="0">
+              <a:spcBef>
+                <a:spcPts val="0"/>
+              </a:spcBef>
+              <a:spcAft>
+                <a:spcPts val="0"/>
+              </a:spcAft>
+              <a:buSzPts val="1300"/>
+              <a:buChar char="●"/>
+            </a:pPr>
+            <a:r>
+              <a:rPr lang="en"/>
+              <a:t>Idea of context cues extends beyond physical interactions</a:t>
             </a:r>
           </a:p>
           <a:p>
@@ -7473,11 +8351,12 @@
               <a:spcAft>
                 <a:spcPts val="0"/>
               </a:spcAft>
-              <a:buSzPct val="100000"/>
+              <a:buSzPts val="1100"/>
+              <a:buChar char="○"/>
             </a:pPr>
             <a:r>
               <a:rPr lang="en"/>
-              <a:t>Can use this to filter out poor solutions</a:t>
+              <a:t>Humans have lots of general knowledge</a:t>
             </a:r>
           </a:p>
           <a:p>
@@ -7485,86 +8364,12 @@
               <a:spcBef>
                 <a:spcPts val="0"/>
               </a:spcBef>
-              <a:spcAft>
-                <a:spcPts val="0"/>
-              </a:spcAft>
-              <a:buSzPct val="100000"/>
+              <a:buSzPts val="1100"/>
+              <a:buChar char="○"/>
             </a:pPr>
             <a:r>
               <a:rPr lang="en"/>
-              <a:t>Because search-space is smaller, humans can experimentally figure out new solutions to new problems</a:t>
-            </a:r>
-          </a:p>
-          <a:p>
-            <a:pPr indent="-311150" lvl="0" marL="457200" rtl="0">
-              <a:spcBef>
-                <a:spcPts val="0"/>
-              </a:spcBef>
-              <a:spcAft>
-                <a:spcPts val="0"/>
-              </a:spcAft>
-              <a:buSzPct val="100000"/>
-            </a:pPr>
-            <a:r>
-              <a:rPr lang="en"/>
-              <a:t>Machines don't have the knowledge to be capable of filtering</a:t>
-            </a:r>
-          </a:p>
-          <a:p>
-            <a:pPr indent="-298450" lvl="1" marL="914400" rtl="0">
-              <a:spcBef>
-                <a:spcPts val="0"/>
-              </a:spcBef>
-              <a:spcAft>
-                <a:spcPts val="0"/>
-              </a:spcAft>
-              <a:buSzPct val="100000"/>
-            </a:pPr>
-            <a:r>
-              <a:rPr lang="en"/>
-              <a:t>Machines don't know what is relevant and what is not</a:t>
-            </a:r>
-          </a:p>
-          <a:p>
-            <a:pPr indent="-298450" lvl="1" marL="914400" rtl="0">
-              <a:spcBef>
-                <a:spcPts val="0"/>
-              </a:spcBef>
-              <a:spcAft>
-                <a:spcPts val="0"/>
-              </a:spcAft>
-              <a:buSzPct val="100000"/>
-            </a:pPr>
-            <a:r>
-              <a:rPr lang="en"/>
-              <a:t>Must resort to brute-force search oftentimes</a:t>
-            </a:r>
-          </a:p>
-          <a:p>
-            <a:pPr indent="-298450" lvl="1" marL="914400" rtl="0">
-              <a:spcBef>
-                <a:spcPts val="0"/>
-              </a:spcBef>
-              <a:spcAft>
-                <a:spcPts val="0"/>
-              </a:spcAft>
-              <a:buSzPct val="100000"/>
-            </a:pPr>
-            <a:r>
-              <a:rPr lang="en"/>
-              <a:t>Search-space is likely to be intractably large</a:t>
-            </a:r>
-          </a:p>
-          <a:p>
-            <a:pPr indent="-298450" lvl="1" marL="914400" rtl="0">
-              <a:spcBef>
-                <a:spcPts val="0"/>
-              </a:spcBef>
-              <a:buSzPct val="100000"/>
-            </a:pPr>
-            <a:r>
-              <a:rPr lang="en"/>
-              <a:t>Will never find the solution if it cannot reduce the search-space</a:t>
+              <a:t>Implicitly use this knowledge to solve problems</a:t>
             </a:r>
           </a:p>
         </p:txBody>
@@ -7617,7 +8422,7 @@
           </a:bodyPr>
           <a:lstStyle/>
           <a:p>
-            <a:pPr lvl="0">
+            <a:pPr indent="0" lvl="0" marL="0">
               <a:spcBef>
                 <a:spcPts val="0"/>
               </a:spcBef>
@@ -7625,7 +8430,7 @@
             </a:pPr>
             <a:r>
               <a:rPr lang="en"/>
-              <a:t>Search Space</a:t>
+              <a:t>Basic Knowledge Problem</a:t>
             </a:r>
           </a:p>
         </p:txBody>
@@ -7641,7 +8446,7 @@
         <p:spPr>
           <a:xfrm>
             <a:off x="729450" y="2078875"/>
-            <a:ext cx="3168000" cy="2261100"/>
+            <a:ext cx="7688700" cy="2261100"/>
           </a:xfrm>
           <a:prstGeom prst="rect">
             <a:avLst/>
@@ -7660,11 +8465,12 @@
               <a:spcAft>
                 <a:spcPts val="0"/>
               </a:spcAft>
-              <a:buSzPct val="100000"/>
+              <a:buSzPts val="1300"/>
+              <a:buChar char="●"/>
             </a:pPr>
             <a:r>
               <a:rPr lang="en"/>
-              <a:t>AlphaGo</a:t>
+              <a:t>DARPA Robot Challenge</a:t>
             </a:r>
           </a:p>
           <a:p>
@@ -7675,11 +8481,12 @@
               <a:spcAft>
                 <a:spcPts val="0"/>
               </a:spcAft>
-              <a:buSzPct val="100000"/>
+              <a:buSzPts val="1100"/>
+              <a:buChar char="○"/>
             </a:pPr>
             <a:r>
               <a:rPr lang="en"/>
-              <a:t>Search space intractable</a:t>
+              <a:t>Robots can't open doors or walk really</a:t>
             </a:r>
           </a:p>
           <a:p>
@@ -7690,55 +8497,82 @@
               <a:spcAft>
                 <a:spcPts val="0"/>
               </a:spcAft>
-              <a:buSzPct val="100000"/>
+              <a:buSzPts val="1100"/>
+              <a:buChar char="○"/>
+            </a:pPr>
+            <a:r>
+              <a:rPr lang="en" u="sng">
+                <a:solidFill>
+                  <a:schemeClr val="hlink"/>
+                </a:solidFill>
+                <a:hlinkClick r:id="rId3"/>
+              </a:rPr>
+              <a:t>https://youtu.be/g0TaYhjpOfo?t=26s</a:t>
+            </a:r>
+          </a:p>
+          <a:p>
+            <a:pPr indent="-311150" lvl="0" marL="457200" rtl="0">
+              <a:spcBef>
+                <a:spcPts val="0"/>
+              </a:spcBef>
+              <a:spcAft>
+                <a:spcPts val="0"/>
+              </a:spcAft>
+              <a:buSzPts val="1300"/>
+              <a:buChar char="●"/>
             </a:pPr>
             <a:r>
               <a:rPr lang="en"/>
-              <a:t>Must reduce search space</a:t>
-            </a:r>
-          </a:p>
-          <a:p>
-            <a:pPr indent="-311150" lvl="0" marL="457200">
-              <a:spcBef>
-                <a:spcPts val="0"/>
-              </a:spcBef>
-              <a:buSzPct val="100000"/>
+              <a:t>What we consider to be basic is actually fairly difficult</a:t>
+            </a:r>
+          </a:p>
+          <a:p>
+            <a:pPr indent="-298450" lvl="1" marL="914400" rtl="0">
+              <a:spcBef>
+                <a:spcPts val="0"/>
+              </a:spcBef>
+              <a:spcAft>
+                <a:spcPts val="0"/>
+              </a:spcAft>
+              <a:buSzPts val="1100"/>
+              <a:buChar char="○"/>
+            </a:pPr>
+            <a:r>
+              <a:rPr lang="en" sz="1100"/>
+              <a:t>It's not simple to open a door or walk</a:t>
+            </a:r>
+          </a:p>
+          <a:p>
+            <a:pPr indent="-311150" lvl="0" marL="457200" rtl="0">
+              <a:spcBef>
+                <a:spcPts val="0"/>
+              </a:spcBef>
+              <a:spcAft>
+                <a:spcPts val="0"/>
+              </a:spcAft>
+              <a:buSzPts val="1300"/>
+              <a:buChar char="●"/>
             </a:pPr>
             <a:r>
               <a:rPr lang="en"/>
-              <a:t>Humans use intuition to reduce search space</a:t>
+              <a:t>Extends beyond robotics</a:t>
+            </a:r>
+          </a:p>
+          <a:p>
+            <a:pPr indent="-298450" lvl="1" marL="914400">
+              <a:spcBef>
+                <a:spcPts val="0"/>
+              </a:spcBef>
+              <a:buSzPts val="1100"/>
+              <a:buChar char="○"/>
+            </a:pPr>
+            <a:r>
+              <a:rPr lang="en"/>
+              <a:t>AI will require a similarly extensive amount of knowledge</a:t>
             </a:r>
           </a:p>
         </p:txBody>
       </p:sp>
-      <p:pic>
-        <p:nvPicPr>
-          <p:cNvPr id="112" name="Shape 112"/>
-          <p:cNvPicPr preferRelativeResize="0"/>
-          <p:nvPr/>
-        </p:nvPicPr>
-        <p:blipFill>
-          <a:blip r:embed="rId3">
-            <a:alphaModFix/>
-          </a:blip>
-          <a:stretch>
-            <a:fillRect/>
-          </a:stretch>
-        </p:blipFill>
-        <p:spPr>
-          <a:xfrm>
-            <a:off x="3949775" y="1135638"/>
-            <a:ext cx="5102951" cy="2872225"/>
-          </a:xfrm>
-          <a:prstGeom prst="rect">
-            <a:avLst/>
-          </a:prstGeom>
-          <a:noFill/>
-          <a:ln>
-            <a:noFill/>
-          </a:ln>
-        </p:spPr>
-      </p:pic>
     </p:spTree>
   </p:cSld>
   <p:clrMapOvr>
@@ -7752,7 +8586,7 @@
   <p:cSld>
     <p:spTree>
       <p:nvGrpSpPr>
-        <p:cNvPr id="116" name="Shape 116"/>
+        <p:cNvPr id="115" name="Shape 115"/>
         <p:cNvGrpSpPr/>
         <p:nvPr/>
       </p:nvGrpSpPr>
@@ -7766,7 +8600,7 @@
       </p:grpSpPr>
       <p:sp>
         <p:nvSpPr>
-          <p:cNvPr id="117" name="Shape 117"/>
+          <p:cNvPr id="116" name="Shape 116"/>
           <p:cNvSpPr txBox="1"/>
           <p:nvPr>
             <p:ph type="title"/>
@@ -7787,7 +8621,7 @@
           </a:bodyPr>
           <a:lstStyle/>
           <a:p>
-            <a:pPr lvl="0">
+            <a:pPr indent="0" lvl="0" marL="0">
               <a:spcBef>
                 <a:spcPts val="0"/>
               </a:spcBef>
@@ -7795,14 +8629,14 @@
             </a:pPr>
             <a:r>
               <a:rPr lang="en"/>
-              <a:t>Object Relationships Problem</a:t>
+              <a:t>Context Filtering Problem</a:t>
             </a:r>
           </a:p>
         </p:txBody>
       </p:sp>
       <p:sp>
         <p:nvSpPr>
-          <p:cNvPr id="118" name="Shape 118"/>
+          <p:cNvPr id="117" name="Shape 117"/>
           <p:cNvSpPr txBox="1"/>
           <p:nvPr>
             <p:ph idx="1" type="body"/>
@@ -7830,11 +8664,12 @@
               <a:spcAft>
                 <a:spcPts val="0"/>
               </a:spcAft>
-              <a:buSzPct val="100000"/>
+              <a:buSzPts val="1300"/>
+              <a:buChar char="●"/>
             </a:pPr>
             <a:r>
               <a:rPr lang="en"/>
-              <a:t>Humans understand relationships between objects</a:t>
+              <a:t>Humans can filter information</a:t>
             </a:r>
           </a:p>
           <a:p>
@@ -7845,11 +8680,12 @@
               <a:spcAft>
                 <a:spcPts val="0"/>
               </a:spcAft>
-              <a:buSzPct val="100000"/>
+              <a:buSzPts val="1100"/>
+              <a:buChar char="○"/>
             </a:pPr>
             <a:r>
               <a:rPr lang="en"/>
-              <a:t>We know how nouns relate to other verbs</a:t>
+              <a:t>Humans often have some idea of what is likely to work and what is unlikely to work</a:t>
             </a:r>
           </a:p>
           <a:p>
@@ -7860,11 +8696,44 @@
               <a:spcAft>
                 <a:spcPts val="0"/>
               </a:spcAft>
-              <a:buSzPct val="100000"/>
+              <a:buSzPts val="1100"/>
+              <a:buChar char="○"/>
             </a:pPr>
             <a:r>
               <a:rPr lang="en"/>
-              <a:t>But the machine does not know these sorts of things</a:t>
+              <a:t>Understand what information is relevant and what variables should be changed</a:t>
+            </a:r>
+          </a:p>
+          <a:p>
+            <a:pPr indent="-298450" lvl="1" marL="914400" rtl="0">
+              <a:spcBef>
+                <a:spcPts val="0"/>
+              </a:spcBef>
+              <a:spcAft>
+                <a:spcPts val="0"/>
+              </a:spcAft>
+              <a:buSzPts val="1100"/>
+              <a:buChar char="○"/>
+            </a:pPr>
+            <a:r>
+              <a:rPr lang="en"/>
+              <a:t>Can use this to filter out poor solutions</a:t>
+            </a:r>
+          </a:p>
+          <a:p>
+            <a:pPr indent="-298450" lvl="1" marL="914400" rtl="0">
+              <a:spcBef>
+                <a:spcPts val="0"/>
+              </a:spcBef>
+              <a:spcAft>
+                <a:spcPts val="0"/>
+              </a:spcAft>
+              <a:buSzPts val="1100"/>
+              <a:buChar char="○"/>
+            </a:pPr>
+            <a:r>
+              <a:rPr lang="en"/>
+              <a:t>Because search-space is smaller, humans can experimentally figure out new solutions to new problems</a:t>
             </a:r>
           </a:p>
           <a:p>
@@ -7875,11 +8744,12 @@
               <a:spcAft>
                 <a:spcPts val="0"/>
               </a:spcAft>
-              <a:buSzPct val="100000"/>
+              <a:buSzPts val="1300"/>
+              <a:buChar char="●"/>
             </a:pPr>
             <a:r>
               <a:rPr lang="en"/>
-              <a:t>Machines don't understand relationships between objects</a:t>
+              <a:t>Machines don't have the knowledge to be capable of filtering</a:t>
             </a:r>
           </a:p>
           <a:p>
@@ -7890,11 +8760,12 @@
               <a:spcAft>
                 <a:spcPts val="0"/>
               </a:spcAft>
-              <a:buSzPct val="100000"/>
+              <a:buSzPts val="1100"/>
+              <a:buChar char="○"/>
             </a:pPr>
             <a:r>
               <a:rPr lang="en"/>
-              <a:t>You can dethrone a king, but you can't really 'harvest' a king</a:t>
+              <a:t>Machines don't know what is relevant and what is not</a:t>
             </a:r>
           </a:p>
           <a:p>
@@ -7905,11 +8776,12 @@
               <a:spcAft>
                 <a:spcPts val="0"/>
               </a:spcAft>
-              <a:buSzPct val="100000"/>
+              <a:buSzPts val="1100"/>
+              <a:buChar char="○"/>
             </a:pPr>
             <a:r>
               <a:rPr lang="en"/>
-              <a:t>Machine doesn't know that you should not eat a table</a:t>
+              <a:t>Must resort to brute-force search oftentimes</a:t>
             </a:r>
           </a:p>
           <a:p>
@@ -7917,11 +8789,28 @@
               <a:spcBef>
                 <a:spcPts val="0"/>
               </a:spcBef>
-              <a:buSzPct val="100000"/>
+              <a:spcAft>
+                <a:spcPts val="0"/>
+              </a:spcAft>
+              <a:buSzPts val="1100"/>
+              <a:buChar char="○"/>
             </a:pPr>
             <a:r>
               <a:rPr lang="en"/>
-              <a:t>Machines in unstructured environments perform terribly</a:t>
+              <a:t>Search-space is likely to be intractably large</a:t>
+            </a:r>
+          </a:p>
+          <a:p>
+            <a:pPr indent="-298450" lvl="1" marL="914400" rtl="0">
+              <a:spcBef>
+                <a:spcPts val="0"/>
+              </a:spcBef>
+              <a:buSzPts val="1100"/>
+              <a:buChar char="○"/>
+            </a:pPr>
+            <a:r>
+              <a:rPr lang="en"/>
+              <a:t>Will never find the solution if it cannot reduce the search-space</a:t>
             </a:r>
           </a:p>
         </p:txBody>
@@ -7939,7 +8828,7 @@
   <p:cSld>
     <p:spTree>
       <p:nvGrpSpPr>
-        <p:cNvPr id="122" name="Shape 122"/>
+        <p:cNvPr id="121" name="Shape 121"/>
         <p:cNvGrpSpPr/>
         <p:nvPr/>
       </p:nvGrpSpPr>
@@ -7953,7 +8842,7 @@
       </p:grpSpPr>
       <p:sp>
         <p:nvSpPr>
-          <p:cNvPr id="123" name="Shape 123"/>
+          <p:cNvPr id="122" name="Shape 122"/>
           <p:cNvSpPr txBox="1"/>
           <p:nvPr>
             <p:ph type="title"/>
@@ -7974,7 +8863,7 @@
           </a:bodyPr>
           <a:lstStyle/>
           <a:p>
-            <a:pPr lvl="0">
+            <a:pPr indent="0" lvl="0" marL="0">
               <a:spcBef>
                 <a:spcPts val="0"/>
               </a:spcBef>
@@ -7982,14 +8871,14 @@
             </a:pPr>
             <a:r>
               <a:rPr lang="en"/>
-              <a:t>Object Relationship Solution</a:t>
+              <a:t>Search Space</a:t>
             </a:r>
           </a:p>
         </p:txBody>
       </p:sp>
       <p:sp>
         <p:nvSpPr>
-          <p:cNvPr id="124" name="Shape 124"/>
+          <p:cNvPr id="123" name="Shape 123"/>
           <p:cNvSpPr txBox="1"/>
           <p:nvPr>
             <p:ph idx="1" type="body"/>
@@ -7998,7 +8887,7 @@
         <p:spPr>
           <a:xfrm>
             <a:off x="729450" y="2078875"/>
-            <a:ext cx="7688700" cy="2261100"/>
+            <a:ext cx="3168000" cy="2261100"/>
           </a:xfrm>
           <a:prstGeom prst="rect">
             <a:avLst/>
@@ -8017,11 +8906,12 @@
               <a:spcAft>
                 <a:spcPts val="0"/>
               </a:spcAft>
-              <a:buSzPct val="100000"/>
+              <a:buSzPts val="1300"/>
+              <a:buChar char="●"/>
             </a:pPr>
             <a:r>
               <a:rPr lang="en"/>
-              <a:t>Researchers at BYU download Wikipedia</a:t>
+              <a:t>AlphaGo</a:t>
             </a:r>
           </a:p>
           <a:p>
@@ -8032,11 +8922,12 @@
               <a:spcAft>
                 <a:spcPts val="0"/>
               </a:spcAft>
-              <a:buSzPct val="100000"/>
+              <a:buSzPts val="1100"/>
+              <a:buChar char="○"/>
             </a:pPr>
             <a:r>
               <a:rPr lang="en"/>
-              <a:t>Teach machine relationships between nouns and verbs</a:t>
+              <a:t>10^761</a:t>
             </a:r>
           </a:p>
           <a:p>
@@ -8047,11 +8938,12 @@
               <a:spcAft>
                 <a:spcPts val="0"/>
               </a:spcAft>
-              <a:buSzPct val="100000"/>
+              <a:buSzPts val="1100"/>
+              <a:buChar char="○"/>
             </a:pPr>
             <a:r>
               <a:rPr lang="en"/>
-              <a:t>Use Wikipedia as a source of up-to-date text</a:t>
+              <a:t>Search space intractable</a:t>
             </a:r>
           </a:p>
           <a:p>
@@ -8062,27 +8954,57 @@
               <a:spcAft>
                 <a:spcPts val="0"/>
               </a:spcAft>
-              <a:buSzPct val="100000"/>
+              <a:buSzPts val="1100"/>
+              <a:buChar char="○"/>
             </a:pPr>
             <a:r>
               <a:rPr lang="en"/>
-              <a:t>Apply math and figure out relationships between words in the text downloaded from Wikipedia</a:t>
-            </a:r>
-          </a:p>
-          <a:p>
-            <a:pPr indent="-298450" lvl="1" marL="914400">
-              <a:spcBef>
-                <a:spcPts val="0"/>
-              </a:spcBef>
-              <a:buSzPct val="100000"/>
+              <a:t>Must reduce search space</a:t>
+            </a:r>
+          </a:p>
+          <a:p>
+            <a:pPr indent="-311150" lvl="0" marL="457200">
+              <a:spcBef>
+                <a:spcPts val="0"/>
+              </a:spcBef>
+              <a:buSzPts val="1300"/>
+              <a:buChar char="●"/>
             </a:pPr>
             <a:r>
               <a:rPr lang="en"/>
-              <a:t>So now machine knows how nouns relate to other verbs</a:t>
+              <a:t>Humans use intuition to reduce search space</a:t>
             </a:r>
           </a:p>
         </p:txBody>
       </p:sp>
+      <p:pic>
+        <p:nvPicPr>
+          <p:cNvPr id="124" name="Shape 124"/>
+          <p:cNvPicPr preferRelativeResize="0"/>
+          <p:nvPr/>
+        </p:nvPicPr>
+        <p:blipFill>
+          <a:blip r:embed="rId3">
+            <a:alphaModFix/>
+          </a:blip>
+          <a:stretch>
+            <a:fillRect/>
+          </a:stretch>
+        </p:blipFill>
+        <p:spPr>
+          <a:xfrm>
+            <a:off x="3949775" y="1135638"/>
+            <a:ext cx="5102951" cy="2872225"/>
+          </a:xfrm>
+          <a:prstGeom prst="rect">
+            <a:avLst/>
+          </a:prstGeom>
+          <a:noFill/>
+          <a:ln>
+            <a:noFill/>
+          </a:ln>
+        </p:spPr>
+      </p:pic>
     </p:spTree>
   </p:cSld>
   <p:clrMapOvr>
@@ -8131,7 +9053,7 @@
           </a:bodyPr>
           <a:lstStyle/>
           <a:p>
-            <a:pPr lvl="0">
+            <a:pPr indent="0" lvl="0" marL="0">
               <a:spcBef>
                 <a:spcPts val="0"/>
               </a:spcBef>
@@ -8139,7 +9061,7 @@
             </a:pPr>
             <a:r>
               <a:rPr lang="en"/>
-              <a:t>Results of the solution</a:t>
+              <a:t>Object Relationships Problem</a:t>
             </a:r>
           </a:p>
         </p:txBody>
@@ -8174,11 +9096,12 @@
               <a:spcAft>
                 <a:spcPts val="0"/>
               </a:spcAft>
-              <a:buSzPct val="100000"/>
+              <a:buSzPts val="1300"/>
+              <a:buChar char="●"/>
             </a:pPr>
             <a:r>
               <a:rPr lang="en"/>
-              <a:t>BYU Researchers improve performance</a:t>
+              <a:t>Humans understand relationships between objects</a:t>
             </a:r>
           </a:p>
           <a:p>
@@ -8189,11 +9112,12 @@
               <a:spcAft>
                 <a:spcPts val="0"/>
               </a:spcAft>
-              <a:buSzPct val="100000"/>
+              <a:buSzPts val="1100"/>
+              <a:buChar char="○"/>
             </a:pPr>
             <a:r>
               <a:rPr lang="en"/>
-              <a:t>For an unstructured text game where machines have to respond to textual input, improved performance on 12/16 games</a:t>
+              <a:t>We know how nouns relate to other verbs</a:t>
             </a:r>
           </a:p>
           <a:p>
@@ -8204,23 +9128,89 @@
               <a:spcAft>
                 <a:spcPts val="0"/>
               </a:spcAft>
-              <a:buSzPct val="100000"/>
+              <a:buSzPts val="1100"/>
+              <a:buChar char="○"/>
             </a:pPr>
             <a:r>
               <a:rPr lang="en"/>
-              <a:t>This improvement was from understanding relationships between objects alone</a:t>
-            </a:r>
-          </a:p>
-          <a:p>
-            <a:pPr indent="-298450" lvl="1" marL="914400">
-              <a:spcBef>
-                <a:spcPts val="0"/>
-              </a:spcBef>
-              <a:buSzPct val="100000"/>
+              <a:t>But the machine does not know these sorts of things</a:t>
+            </a:r>
+          </a:p>
+          <a:p>
+            <a:pPr indent="-311150" lvl="0" marL="457200" rtl="0">
+              <a:spcBef>
+                <a:spcPts val="0"/>
+              </a:spcBef>
+              <a:spcAft>
+                <a:spcPts val="0"/>
+              </a:spcAft>
+              <a:buSzPts val="1300"/>
+              <a:buChar char="●"/>
             </a:pPr>
             <a:r>
               <a:rPr lang="en"/>
-              <a:t>Other improvements could include grammar, speaking conventions, etc</a:t>
+              <a:t>Machines don't understand relationships between objects</a:t>
+            </a:r>
+          </a:p>
+          <a:p>
+            <a:pPr indent="-298450" lvl="1" marL="914400" rtl="0">
+              <a:spcBef>
+                <a:spcPts val="0"/>
+              </a:spcBef>
+              <a:spcAft>
+                <a:spcPts val="0"/>
+              </a:spcAft>
+              <a:buSzPts val="1100"/>
+              <a:buChar char="○"/>
+            </a:pPr>
+            <a:r>
+              <a:rPr lang="en"/>
+              <a:t>You can dethrone a king, but you can't really 'harvest' a king (Christensen)</a:t>
+            </a:r>
+          </a:p>
+          <a:p>
+            <a:pPr indent="-298450" lvl="1" marL="914400" rtl="0">
+              <a:spcBef>
+                <a:spcPts val="0"/>
+              </a:spcBef>
+              <a:spcAft>
+                <a:spcPts val="0"/>
+              </a:spcAft>
+              <a:buSzPts val="1100"/>
+              <a:buChar char="○"/>
+            </a:pPr>
+            <a:r>
+              <a:rPr lang="en"/>
+              <a:t>Machine doesn't know that you should not eat a table</a:t>
+            </a:r>
+          </a:p>
+          <a:p>
+            <a:pPr indent="-298450" lvl="1" marL="914400" rtl="0">
+              <a:spcBef>
+                <a:spcPts val="0"/>
+              </a:spcBef>
+              <a:spcAft>
+                <a:spcPts val="0"/>
+              </a:spcAft>
+              <a:buSzPts val="1100"/>
+              <a:buChar char="○"/>
+            </a:pPr>
+            <a:r>
+              <a:rPr lang="en"/>
+              <a:t>Machines in unstructured environments perform terribly</a:t>
+            </a:r>
+          </a:p>
+          <a:p>
+            <a:pPr indent="-298450" lvl="1" marL="914400" rtl="0">
+              <a:spcBef>
+                <a:spcPts val="0"/>
+              </a:spcBef>
+              <a:buSzPts val="1100"/>
+              <a:buChar char="○"/>
+            </a:pPr>
+            <a:r>
+              <a:rPr lang="en"/>
+              <a:t>Infeasible to hand-code this knowledge</a:t>
             </a:r>
           </a:p>
         </p:txBody>
@@ -8273,7 +9263,7 @@
           </a:bodyPr>
           <a:lstStyle/>
           <a:p>
-            <a:pPr lvl="0">
+            <a:pPr indent="0" lvl="0" marL="0">
               <a:spcBef>
                 <a:spcPts val="0"/>
               </a:spcBef>
@@ -8281,7 +9271,7 @@
             </a:pPr>
             <a:r>
               <a:rPr lang="en"/>
-              <a:t>Future Applications</a:t>
+              <a:t>Object Relationship Solution</a:t>
             </a:r>
           </a:p>
         </p:txBody>
@@ -8316,11 +9306,12 @@
               <a:spcAft>
                 <a:spcPts val="0"/>
               </a:spcAft>
-              <a:buSzPct val="100000"/>
+              <a:buSzPts val="1300"/>
+              <a:buChar char="●"/>
             </a:pPr>
             <a:r>
               <a:rPr lang="en"/>
-              <a:t>Basic Knowledge</a:t>
+              <a:t>Researchers at BYU download Wikipedia</a:t>
             </a:r>
           </a:p>
           <a:p>
@@ -8331,11 +9322,12 @@
               <a:spcAft>
                 <a:spcPts val="0"/>
               </a:spcAft>
-              <a:buSzPct val="100000"/>
+              <a:buSzPts val="1100"/>
+              <a:buChar char="○"/>
             </a:pPr>
             <a:r>
               <a:rPr lang="en"/>
-              <a:t>Need machines to be capable of a variety of tasks if integrated in consumer environment</a:t>
+              <a:t>Teach machine relationships between nouns and verbs</a:t>
             </a:r>
           </a:p>
           <a:p>
@@ -8346,11 +9338,12 @@
               <a:spcAft>
                 <a:spcPts val="0"/>
               </a:spcAft>
-              <a:buSzPct val="100000"/>
+              <a:buSzPts val="1100"/>
+              <a:buChar char="○"/>
             </a:pPr>
             <a:r>
               <a:rPr lang="en"/>
-              <a:t>Must understand how to not break things</a:t>
+              <a:t>Use Wikipedia as a source of up-to-date text</a:t>
             </a:r>
           </a:p>
           <a:p>
@@ -8361,98 +9354,41 @@
               <a:spcAft>
                 <a:spcPts val="0"/>
               </a:spcAft>
-              <a:buSzPct val="100000"/>
+              <a:buSzPts val="1100"/>
+              <a:buChar char="○"/>
             </a:pPr>
             <a:r>
               <a:rPr lang="en"/>
-              <a:t>Must not break itself</a:t>
-            </a:r>
-          </a:p>
-          <a:p>
-            <a:pPr indent="-311150" lvl="0" marL="457200" rtl="0">
-              <a:spcBef>
-                <a:spcPts val="0"/>
-              </a:spcBef>
-              <a:spcAft>
-                <a:spcPts val="0"/>
-              </a:spcAft>
-              <a:buSzPct val="100000"/>
+              <a:t>Extract noun-verb relationships to find Affordances (set of actions that can be done with an object)</a:t>
+            </a:r>
+          </a:p>
+          <a:p>
+            <a:pPr indent="-298450" lvl="1" marL="914400" rtl="0">
+              <a:spcBef>
+                <a:spcPts val="0"/>
+              </a:spcBef>
+              <a:spcAft>
+                <a:spcPts val="0"/>
+              </a:spcAft>
+              <a:buSzPts val="1100"/>
+              <a:buChar char="○"/>
             </a:pPr>
             <a:r>
               <a:rPr lang="en"/>
-              <a:t>Context Filtering</a:t>
-            </a:r>
-          </a:p>
-          <a:p>
-            <a:pPr indent="-298450" lvl="1" marL="914400" rtl="0">
-              <a:spcBef>
-                <a:spcPts val="0"/>
-              </a:spcBef>
-              <a:spcAft>
-                <a:spcPts val="0"/>
-              </a:spcAft>
-              <a:buSzPct val="100000"/>
+              <a:t>Apply math and figure out relationships between words in the text downloaded from Wikipedia</a:t>
+            </a:r>
+          </a:p>
+          <a:p>
+            <a:pPr indent="-298450" lvl="1" marL="914400">
+              <a:spcBef>
+                <a:spcPts val="0"/>
+              </a:spcBef>
+              <a:buSzPts val="1100"/>
+              <a:buChar char="○"/>
             </a:pPr>
             <a:r>
               <a:rPr lang="en"/>
-              <a:t>AI figure out solutions for unseen problems</a:t>
-            </a:r>
-          </a:p>
-          <a:p>
-            <a:pPr indent="-298450" lvl="1" marL="914400" rtl="0">
-              <a:spcBef>
-                <a:spcPts val="0"/>
-              </a:spcBef>
-              <a:spcAft>
-                <a:spcPts val="0"/>
-              </a:spcAft>
-              <a:buSzPct val="100000"/>
-            </a:pPr>
-            <a:r>
-              <a:rPr lang="en"/>
-              <a:t>Performance in unstructured environments</a:t>
-            </a:r>
-          </a:p>
-          <a:p>
-            <a:pPr indent="-311150" lvl="0" marL="457200" rtl="0">
-              <a:spcBef>
-                <a:spcPts val="0"/>
-              </a:spcBef>
-              <a:spcAft>
-                <a:spcPts val="0"/>
-              </a:spcAft>
-              <a:buSzPct val="100000"/>
-            </a:pPr>
-            <a:r>
-              <a:rPr lang="en"/>
-              <a:t>Object Relationship</a:t>
-            </a:r>
-          </a:p>
-          <a:p>
-            <a:pPr indent="-298450" lvl="1" marL="914400" rtl="0">
-              <a:spcBef>
-                <a:spcPts val="0"/>
-              </a:spcBef>
-              <a:spcAft>
-                <a:spcPts val="0"/>
-              </a:spcAft>
-              <a:buSzPct val="100000"/>
-            </a:pPr>
-            <a:r>
-              <a:rPr lang="en"/>
-              <a:t>Easy, convenient format to communicate to machines</a:t>
-            </a:r>
-          </a:p>
-          <a:p>
-            <a:pPr indent="-298450" lvl="1" marL="914400" rtl="0">
-              <a:spcBef>
-                <a:spcPts val="0"/>
-              </a:spcBef>
-              <a:buSzPct val="100000"/>
-            </a:pPr>
-            <a:r>
-              <a:rPr lang="en"/>
-              <a:t>NLP</a:t>
+              <a:t>So now machine knows how nouns relate to other verbs</a:t>
             </a:r>
           </a:p>
         </p:txBody>
